--- a/Nhom3_EA.pptx
+++ b/Nhom3_EA.pptx
@@ -5,10 +5,10 @@
     <p:sldMasterId id="2147483648" r:id="rId1"/>
   </p:sldMasterIdLst>
   <p:notesMasterIdLst>
-    <p:notesMasterId r:id="rId42"/>
+    <p:notesMasterId r:id="rId44"/>
   </p:notesMasterIdLst>
   <p:handoutMasterIdLst>
-    <p:handoutMasterId r:id="rId43"/>
+    <p:handoutMasterId r:id="rId45"/>
   </p:handoutMasterIdLst>
   <p:sldIdLst>
     <p:sldId id="257" r:id="rId2"/>
@@ -50,7 +50,9 @@
     <p:sldId id="330" r:id="rId38"/>
     <p:sldId id="331" r:id="rId39"/>
     <p:sldId id="329" r:id="rId40"/>
-    <p:sldId id="278" r:id="rId41"/>
+    <p:sldId id="333" r:id="rId41"/>
+    <p:sldId id="332" r:id="rId42"/>
+    <p:sldId id="278" r:id="rId43"/>
   </p:sldIdLst>
   <p:sldSz cx="12192000" cy="6858000"/>
   <p:notesSz cx="6858000" cy="9144000"/>
@@ -4504,7 +4506,11 @@
           <a:lstStyle/>
           <a:p>
             <a:r>
-              <a:rPr lang="en-US"/>
+              <a:rPr lang="en-US">
+                <a:solidFill>
+                  <a:schemeClr val="bg1"/>
+                </a:solidFill>
+              </a:rPr>
               <a:t>21/05/2018</a:t>
             </a:r>
           </a:p>
@@ -4657,6 +4663,293 @@
       </p:grpSpPr>
       <p:sp>
         <p:nvSpPr>
+          <p:cNvPr id="10" name="TextBox 28">
+            <a:extLst>
+              <a:ext uri="{FF2B5EF4-FFF2-40B4-BE49-F238E27FC236}">
+                <a16:creationId xmlns:a16="http://schemas.microsoft.com/office/drawing/2014/main" id="{8AB9CA51-6038-4FA2-80F2-420A61A32298}"/>
+              </a:ext>
+            </a:extLst>
+          </p:cNvPr>
+          <p:cNvSpPr txBox="1">
+            <a:spLocks noChangeArrowheads="1"/>
+          </p:cNvSpPr>
+          <p:nvPr/>
+        </p:nvSpPr>
+        <p:spPr bwMode="auto">
+          <a:xfrm>
+            <a:off x="471055" y="1547998"/>
+            <a:ext cx="11302840" cy="5201424"/>
+          </a:xfrm>
+          <a:prstGeom prst="rect">
+            <a:avLst/>
+          </a:prstGeom>
+          <a:noFill/>
+          <a:ln>
+            <a:noFill/>
+          </a:ln>
+          <a:extLst>
+            <a:ext uri="{909E8E84-426E-40DD-AFC4-6F175D3DCCD1}">
+              <a14:hiddenFill xmlns:a14="http://schemas.microsoft.com/office/drawing/2010/main">
+                <a:solidFill>
+                  <a:srgbClr val="FFFFFF"/>
+                </a:solidFill>
+              </a14:hiddenFill>
+            </a:ext>
+            <a:ext uri="{91240B29-F687-4F45-9708-019B960494DF}">
+              <a14:hiddenLine xmlns:a14="http://schemas.microsoft.com/office/drawing/2010/main" w="9525">
+                <a:solidFill>
+                  <a:srgbClr val="000000"/>
+                </a:solidFill>
+                <a:miter lim="800000"/>
+                <a:headEnd/>
+                <a:tailEnd/>
+              </a14:hiddenLine>
+            </a:ext>
+          </a:extLst>
+        </p:spPr>
+        <p:txBody>
+          <a:bodyPr wrap="square" lIns="0" tIns="0" rIns="0" bIns="0">
+            <a:spAutoFit/>
+          </a:bodyPr>
+          <a:lstStyle>
+            <a:lvl1pPr>
+              <a:defRPr sz="3600">
+                <a:solidFill>
+                  <a:schemeClr val="tx1"/>
+                </a:solidFill>
+                <a:latin typeface="Lato Light" pitchFamily="-65" charset="0"/>
+                <a:ea typeface="MS PGothic" panose="020B0600070205080204" pitchFamily="34" charset="-128"/>
+              </a:defRPr>
+            </a:lvl1pPr>
+            <a:lvl2pPr marL="742950" indent="-285750">
+              <a:defRPr sz="3600">
+                <a:solidFill>
+                  <a:schemeClr val="tx1"/>
+                </a:solidFill>
+                <a:latin typeface="Lato Light" pitchFamily="-65" charset="0"/>
+                <a:ea typeface="MS PGothic" panose="020B0600070205080204" pitchFamily="34" charset="-128"/>
+              </a:defRPr>
+            </a:lvl2pPr>
+            <a:lvl3pPr marL="1143000" indent="-228600">
+              <a:defRPr sz="3600">
+                <a:solidFill>
+                  <a:schemeClr val="tx1"/>
+                </a:solidFill>
+                <a:latin typeface="Lato Light" pitchFamily="-65" charset="0"/>
+                <a:ea typeface="MS PGothic" panose="020B0600070205080204" pitchFamily="34" charset="-128"/>
+              </a:defRPr>
+            </a:lvl3pPr>
+            <a:lvl4pPr marL="1600200" indent="-228600">
+              <a:defRPr sz="3600">
+                <a:solidFill>
+                  <a:schemeClr val="tx1"/>
+                </a:solidFill>
+                <a:latin typeface="Lato Light" pitchFamily="-65" charset="0"/>
+                <a:ea typeface="MS PGothic" panose="020B0600070205080204" pitchFamily="34" charset="-128"/>
+              </a:defRPr>
+            </a:lvl4pPr>
+            <a:lvl5pPr marL="2057400" indent="-228600">
+              <a:defRPr sz="3600">
+                <a:solidFill>
+                  <a:schemeClr val="tx1"/>
+                </a:solidFill>
+                <a:latin typeface="Lato Light" pitchFamily="-65" charset="0"/>
+                <a:ea typeface="MS PGothic" panose="020B0600070205080204" pitchFamily="34" charset="-128"/>
+              </a:defRPr>
+            </a:lvl5pPr>
+            <a:lvl6pPr marL="2514600" indent="-228600" defTabSz="1827213" fontAlgn="base">
+              <a:spcBef>
+                <a:spcPct val="0"/>
+              </a:spcBef>
+              <a:spcAft>
+                <a:spcPct val="0"/>
+              </a:spcAft>
+              <a:defRPr sz="3600">
+                <a:solidFill>
+                  <a:schemeClr val="tx1"/>
+                </a:solidFill>
+                <a:latin typeface="Lato Light" pitchFamily="-65" charset="0"/>
+                <a:ea typeface="MS PGothic" panose="020B0600070205080204" pitchFamily="34" charset="-128"/>
+              </a:defRPr>
+            </a:lvl6pPr>
+            <a:lvl7pPr marL="2971800" indent="-228600" defTabSz="1827213" fontAlgn="base">
+              <a:spcBef>
+                <a:spcPct val="0"/>
+              </a:spcBef>
+              <a:spcAft>
+                <a:spcPct val="0"/>
+              </a:spcAft>
+              <a:defRPr sz="3600">
+                <a:solidFill>
+                  <a:schemeClr val="tx1"/>
+                </a:solidFill>
+                <a:latin typeface="Lato Light" pitchFamily="-65" charset="0"/>
+                <a:ea typeface="MS PGothic" panose="020B0600070205080204" pitchFamily="34" charset="-128"/>
+              </a:defRPr>
+            </a:lvl7pPr>
+            <a:lvl8pPr marL="3429000" indent="-228600" defTabSz="1827213" fontAlgn="base">
+              <a:spcBef>
+                <a:spcPct val="0"/>
+              </a:spcBef>
+              <a:spcAft>
+                <a:spcPct val="0"/>
+              </a:spcAft>
+              <a:defRPr sz="3600">
+                <a:solidFill>
+                  <a:schemeClr val="tx1"/>
+                </a:solidFill>
+                <a:latin typeface="Lato Light" pitchFamily="-65" charset="0"/>
+                <a:ea typeface="MS PGothic" panose="020B0600070205080204" pitchFamily="34" charset="-128"/>
+              </a:defRPr>
+            </a:lvl8pPr>
+            <a:lvl9pPr marL="3886200" indent="-228600" defTabSz="1827213" fontAlgn="base">
+              <a:spcBef>
+                <a:spcPct val="0"/>
+              </a:spcBef>
+              <a:spcAft>
+                <a:spcPct val="0"/>
+              </a:spcAft>
+              <a:defRPr sz="3600">
+                <a:solidFill>
+                  <a:schemeClr val="tx1"/>
+                </a:solidFill>
+                <a:latin typeface="Lato Light" pitchFamily="-65" charset="0"/>
+                <a:ea typeface="MS PGothic" panose="020B0600070205080204" pitchFamily="34" charset="-128"/>
+              </a:defRPr>
+            </a:lvl9pPr>
+          </a:lstStyle>
+          <a:p>
+            <a:pPr marL="285750" indent="-285750" algn="just">
+              <a:spcAft>
+                <a:spcPts val="1200"/>
+              </a:spcAft>
+              <a:buFont typeface="Wingdings" panose="05000000000000000000" pitchFamily="2" charset="2"/>
+              <a:buChar char="v"/>
+            </a:pPr>
+            <a:r>
+              <a:rPr lang="vi-VN" altLang="en-US" sz="2400">
+                <a:solidFill>
+                  <a:schemeClr val="tx2"/>
+                </a:solidFill>
+                <a:latin typeface="+mj-lt"/>
+                <a:ea typeface="Open Sans" pitchFamily="-65" charset="0"/>
+              </a:rPr>
+              <a:t>Zachman framework là EAF đầu tiên được tạo ra bởi Jonh Zachman vào năm 1987 và vẫn còn được áp dụng rộng rãi đến nay với phiên bản mới nhất là phiên bản 3.0</a:t>
+            </a:r>
+            <a:r>
+              <a:rPr lang="en-US" altLang="en-US" sz="2400">
+                <a:solidFill>
+                  <a:schemeClr val="tx2"/>
+                </a:solidFill>
+                <a:latin typeface="+mj-lt"/>
+                <a:ea typeface="Open Sans" pitchFamily="-65" charset="0"/>
+              </a:rPr>
+              <a:t>.</a:t>
+            </a:r>
+          </a:p>
+          <a:p>
+            <a:pPr marL="285750" indent="-285750" algn="just">
+              <a:spcAft>
+                <a:spcPts val="1200"/>
+              </a:spcAft>
+              <a:buFont typeface="Wingdings" panose="05000000000000000000" pitchFamily="2" charset="2"/>
+              <a:buChar char="v"/>
+            </a:pPr>
+            <a:r>
+              <a:rPr lang="vi-VN" altLang="en-US" sz="2400">
+                <a:solidFill>
+                  <a:schemeClr val="tx2"/>
+                </a:solidFill>
+                <a:latin typeface="+mj-lt"/>
+                <a:ea typeface="Open Sans" pitchFamily="-65" charset="0"/>
+              </a:rPr>
+              <a:t>Zachman framework là một cấu trúc cơ bản cho EA, cung cấp một phương pháp chính thức và có cấu trúc để xem xét và định nghĩa một doanh nghiệp</a:t>
+            </a:r>
+            <a:endParaRPr lang="en-US" altLang="en-US" sz="2400">
+              <a:solidFill>
+                <a:schemeClr val="tx2"/>
+              </a:solidFill>
+              <a:latin typeface="+mj-lt"/>
+              <a:ea typeface="Open Sans" pitchFamily="-65" charset="0"/>
+            </a:endParaRPr>
+          </a:p>
+          <a:p>
+            <a:pPr marL="285750" indent="-285750" algn="just">
+              <a:spcAft>
+                <a:spcPts val="1200"/>
+              </a:spcAft>
+              <a:buFont typeface="Wingdings" panose="05000000000000000000" pitchFamily="2" charset="2"/>
+              <a:buChar char="v"/>
+            </a:pPr>
+            <a:r>
+              <a:rPr lang="vi-VN" altLang="en-US" sz="2400">
+                <a:solidFill>
+                  <a:schemeClr val="tx2"/>
+                </a:solidFill>
+                <a:latin typeface="+mj-lt"/>
+                <a:ea typeface="Open Sans" pitchFamily="-65" charset="0"/>
+              </a:rPr>
+              <a:t>Nó bao gồm một lược đồ ma trận phân loại hai chiều, phản ánh sự giao nhau giữa hai phân loại đặc trưng. </a:t>
+            </a:r>
+          </a:p>
+          <a:p>
+            <a:pPr marL="1028700" lvl="1" algn="just">
+              <a:spcAft>
+                <a:spcPts val="1200"/>
+              </a:spcAft>
+              <a:buFont typeface="Wingdings" panose="05000000000000000000" pitchFamily="2" charset="2"/>
+              <a:buChar char="§"/>
+            </a:pPr>
+            <a:r>
+              <a:rPr lang="vi-VN" altLang="en-US" sz="2400">
+                <a:solidFill>
+                  <a:schemeClr val="tx2"/>
+                </a:solidFill>
+                <a:latin typeface="+mj-lt"/>
+                <a:ea typeface="Open Sans" pitchFamily="-65" charset="0"/>
+              </a:rPr>
+              <a:t>Phân loại đầu tiên là các câu hỏi Cái gì (What), Như thế nào (How), Khi nào (When), Ai (Who), Ở đâu (Where), và Tại sao (Why).</a:t>
+            </a:r>
+          </a:p>
+          <a:p>
+            <a:pPr marL="1028700" lvl="1" algn="just">
+              <a:spcAft>
+                <a:spcPts val="1200"/>
+              </a:spcAft>
+              <a:buFont typeface="Wingdings" panose="05000000000000000000" pitchFamily="2" charset="2"/>
+              <a:buChar char="§"/>
+            </a:pPr>
+            <a:r>
+              <a:rPr lang="vi-VN" altLang="en-US" sz="2400">
+                <a:solidFill>
+                  <a:schemeClr val="tx2"/>
+                </a:solidFill>
+                <a:latin typeface="+mj-lt"/>
+                <a:ea typeface="Open Sans" pitchFamily="-65" charset="0"/>
+              </a:rPr>
+              <a:t>Phân loại thứ hai là năm mức độ cải cách, liên tục chuyển đổi những ý tưởng trừu tượng (ở mức độ Scope – phạm vi) thành các ý tưởng cụ thể (mức độ Operations – vận hành).</a:t>
+            </a:r>
+          </a:p>
+          <a:p>
+            <a:pPr marL="285750" indent="-285750" algn="just">
+              <a:spcAft>
+                <a:spcPts val="1200"/>
+              </a:spcAft>
+              <a:buFont typeface="Wingdings" panose="05000000000000000000" pitchFamily="2" charset="2"/>
+              <a:buChar char="v"/>
+            </a:pPr>
+            <a:endParaRPr lang="en-US" altLang="en-US" sz="2400">
+              <a:solidFill>
+                <a:schemeClr val="tx2"/>
+              </a:solidFill>
+              <a:latin typeface="+mj-lt"/>
+              <a:ea typeface="Open Sans" pitchFamily="-65" charset="0"/>
+            </a:endParaRPr>
+          </a:p>
+        </p:txBody>
+      </p:sp>
+      <p:sp>
+        <p:nvSpPr>
           <p:cNvPr id="5" name="TextBox 4"/>
           <p:cNvSpPr txBox="1"/>
           <p:nvPr/>
@@ -4901,28 +5194,6 @@
       </p:sp>
       <p:sp>
         <p:nvSpPr>
-          <p:cNvPr id="2" name="Footer Placeholder 1"/>
-          <p:cNvSpPr>
-            <a:spLocks noGrp="1"/>
-          </p:cNvSpPr>
-          <p:nvPr>
-            <p:ph type="ftr" sz="quarter" idx="14"/>
-          </p:nvPr>
-        </p:nvSpPr>
-        <p:spPr/>
-        <p:txBody>
-          <a:bodyPr/>
-          <a:lstStyle/>
-          <a:p>
-            <a:r>
-              <a:rPr lang="en-US"/>
-              <a:t>11/05/2017</a:t>
-            </a:r>
-          </a:p>
-        </p:txBody>
-      </p:sp>
-      <p:sp>
-        <p:nvSpPr>
           <p:cNvPr id="4" name="Slide Number Placeholder 3"/>
           <p:cNvSpPr>
             <a:spLocks noGrp="1"/>
@@ -4977,288 +5248,38 @@
       </p:pic>
       <p:sp>
         <p:nvSpPr>
-          <p:cNvPr id="10" name="TextBox 28">
+          <p:cNvPr id="9" name="Footer Placeholder 1">
             <a:extLst>
               <a:ext uri="{FF2B5EF4-FFF2-40B4-BE49-F238E27FC236}">
-                <a16:creationId xmlns:a16="http://schemas.microsoft.com/office/drawing/2014/main" id="{8AB9CA51-6038-4FA2-80F2-420A61A32298}"/>
+                <a16:creationId xmlns:a16="http://schemas.microsoft.com/office/drawing/2014/main" id="{FC58B655-19BB-4F54-B599-9A24DD4AE1C1}"/>
               </a:ext>
             </a:extLst>
           </p:cNvPr>
-          <p:cNvSpPr txBox="1">
-            <a:spLocks noChangeArrowheads="1"/>
+          <p:cNvSpPr>
+            <a:spLocks noGrp="1"/>
           </p:cNvSpPr>
-          <p:nvPr/>
+          <p:nvPr>
+            <p:ph type="ftr" sz="quarter" idx="14"/>
+          </p:nvPr>
         </p:nvSpPr>
-        <p:spPr bwMode="auto">
+        <p:spPr>
           <a:xfrm>
-            <a:off x="471055" y="1547998"/>
-            <a:ext cx="11302840" cy="5201424"/>
+            <a:off x="3976638" y="6442059"/>
+            <a:ext cx="4114800" cy="365125"/>
           </a:xfrm>
-          <a:prstGeom prst="rect">
-            <a:avLst/>
-          </a:prstGeom>
-          <a:noFill/>
-          <a:ln>
-            <a:noFill/>
-          </a:ln>
-          <a:extLst>
-            <a:ext uri="{909E8E84-426E-40DD-AFC4-6F175D3DCCD1}">
-              <a14:hiddenFill xmlns:a14="http://schemas.microsoft.com/office/drawing/2010/main">
-                <a:solidFill>
-                  <a:srgbClr val="FFFFFF"/>
-                </a:solidFill>
-              </a14:hiddenFill>
-            </a:ext>
-            <a:ext uri="{91240B29-F687-4F45-9708-019B960494DF}">
-              <a14:hiddenLine xmlns:a14="http://schemas.microsoft.com/office/drawing/2010/main" w="9525">
-                <a:solidFill>
-                  <a:srgbClr val="000000"/>
-                </a:solidFill>
-                <a:miter lim="800000"/>
-                <a:headEnd/>
-                <a:tailEnd/>
-              </a14:hiddenLine>
-            </a:ext>
-          </a:extLst>
         </p:spPr>
         <p:txBody>
-          <a:bodyPr wrap="square" lIns="0" tIns="0" rIns="0" bIns="0">
-            <a:spAutoFit/>
-          </a:bodyPr>
-          <a:lstStyle>
-            <a:lvl1pPr>
-              <a:defRPr sz="3600">
-                <a:solidFill>
-                  <a:schemeClr val="tx1"/>
-                </a:solidFill>
-                <a:latin typeface="Lato Light" pitchFamily="-65" charset="0"/>
-                <a:ea typeface="MS PGothic" panose="020B0600070205080204" pitchFamily="34" charset="-128"/>
-              </a:defRPr>
-            </a:lvl1pPr>
-            <a:lvl2pPr marL="742950" indent="-285750">
-              <a:defRPr sz="3600">
-                <a:solidFill>
-                  <a:schemeClr val="tx1"/>
-                </a:solidFill>
-                <a:latin typeface="Lato Light" pitchFamily="-65" charset="0"/>
-                <a:ea typeface="MS PGothic" panose="020B0600070205080204" pitchFamily="34" charset="-128"/>
-              </a:defRPr>
-            </a:lvl2pPr>
-            <a:lvl3pPr marL="1143000" indent="-228600">
-              <a:defRPr sz="3600">
-                <a:solidFill>
-                  <a:schemeClr val="tx1"/>
-                </a:solidFill>
-                <a:latin typeface="Lato Light" pitchFamily="-65" charset="0"/>
-                <a:ea typeface="MS PGothic" panose="020B0600070205080204" pitchFamily="34" charset="-128"/>
-              </a:defRPr>
-            </a:lvl3pPr>
-            <a:lvl4pPr marL="1600200" indent="-228600">
-              <a:defRPr sz="3600">
-                <a:solidFill>
-                  <a:schemeClr val="tx1"/>
-                </a:solidFill>
-                <a:latin typeface="Lato Light" pitchFamily="-65" charset="0"/>
-                <a:ea typeface="MS PGothic" panose="020B0600070205080204" pitchFamily="34" charset="-128"/>
-              </a:defRPr>
-            </a:lvl4pPr>
-            <a:lvl5pPr marL="2057400" indent="-228600">
-              <a:defRPr sz="3600">
-                <a:solidFill>
-                  <a:schemeClr val="tx1"/>
-                </a:solidFill>
-                <a:latin typeface="Lato Light" pitchFamily="-65" charset="0"/>
-                <a:ea typeface="MS PGothic" panose="020B0600070205080204" pitchFamily="34" charset="-128"/>
-              </a:defRPr>
-            </a:lvl5pPr>
-            <a:lvl6pPr marL="2514600" indent="-228600" defTabSz="1827213" fontAlgn="base">
-              <a:spcBef>
-                <a:spcPct val="0"/>
-              </a:spcBef>
-              <a:spcAft>
-                <a:spcPct val="0"/>
-              </a:spcAft>
-              <a:defRPr sz="3600">
-                <a:solidFill>
-                  <a:schemeClr val="tx1"/>
-                </a:solidFill>
-                <a:latin typeface="Lato Light" pitchFamily="-65" charset="0"/>
-                <a:ea typeface="MS PGothic" panose="020B0600070205080204" pitchFamily="34" charset="-128"/>
-              </a:defRPr>
-            </a:lvl6pPr>
-            <a:lvl7pPr marL="2971800" indent="-228600" defTabSz="1827213" fontAlgn="base">
-              <a:spcBef>
-                <a:spcPct val="0"/>
-              </a:spcBef>
-              <a:spcAft>
-                <a:spcPct val="0"/>
-              </a:spcAft>
-              <a:defRPr sz="3600">
-                <a:solidFill>
-                  <a:schemeClr val="tx1"/>
-                </a:solidFill>
-                <a:latin typeface="Lato Light" pitchFamily="-65" charset="0"/>
-                <a:ea typeface="MS PGothic" panose="020B0600070205080204" pitchFamily="34" charset="-128"/>
-              </a:defRPr>
-            </a:lvl7pPr>
-            <a:lvl8pPr marL="3429000" indent="-228600" defTabSz="1827213" fontAlgn="base">
-              <a:spcBef>
-                <a:spcPct val="0"/>
-              </a:spcBef>
-              <a:spcAft>
-                <a:spcPct val="0"/>
-              </a:spcAft>
-              <a:defRPr sz="3600">
-                <a:solidFill>
-                  <a:schemeClr val="tx1"/>
-                </a:solidFill>
-                <a:latin typeface="Lato Light" pitchFamily="-65" charset="0"/>
-                <a:ea typeface="MS PGothic" panose="020B0600070205080204" pitchFamily="34" charset="-128"/>
-              </a:defRPr>
-            </a:lvl8pPr>
-            <a:lvl9pPr marL="3886200" indent="-228600" defTabSz="1827213" fontAlgn="base">
-              <a:spcBef>
-                <a:spcPct val="0"/>
-              </a:spcBef>
-              <a:spcAft>
-                <a:spcPct val="0"/>
-              </a:spcAft>
-              <a:defRPr sz="3600">
-                <a:solidFill>
-                  <a:schemeClr val="tx1"/>
-                </a:solidFill>
-                <a:latin typeface="Lato Light" pitchFamily="-65" charset="0"/>
-                <a:ea typeface="MS PGothic" panose="020B0600070205080204" pitchFamily="34" charset="-128"/>
-              </a:defRPr>
-            </a:lvl9pPr>
-          </a:lstStyle>
-          <a:p>
-            <a:pPr marL="285750" indent="-285750" algn="just">
-              <a:spcAft>
-                <a:spcPts val="1200"/>
-              </a:spcAft>
-              <a:buFont typeface="Wingdings" panose="05000000000000000000" pitchFamily="2" charset="2"/>
-              <a:buChar char="v"/>
-            </a:pPr>
-            <a:r>
-              <a:rPr lang="vi-VN" altLang="en-US" sz="2400">
-                <a:solidFill>
-                  <a:schemeClr val="tx2"/>
-                </a:solidFill>
-                <a:latin typeface="+mj-lt"/>
-                <a:ea typeface="Open Sans" pitchFamily="-65" charset="0"/>
-              </a:rPr>
-              <a:t>Zachman framework là EAF đầu tiên được tạo ra bởi Jonh Zachman vào năm 1987 và vẫn còn được áp dụng rộng rãi đến nay với phiên bản mới nhất là phiên bản 3.0</a:t>
-            </a:r>
-            <a:r>
-              <a:rPr lang="en-US" altLang="en-US" sz="2400">
-                <a:solidFill>
-                  <a:schemeClr val="tx2"/>
-                </a:solidFill>
-                <a:latin typeface="+mj-lt"/>
-                <a:ea typeface="Open Sans" pitchFamily="-65" charset="0"/>
-              </a:rPr>
-              <a:t>.</a:t>
-            </a:r>
-          </a:p>
-          <a:p>
-            <a:pPr marL="285750" indent="-285750" algn="just">
-              <a:spcAft>
-                <a:spcPts val="1200"/>
-              </a:spcAft>
-              <a:buFont typeface="Wingdings" panose="05000000000000000000" pitchFamily="2" charset="2"/>
-              <a:buChar char="v"/>
-            </a:pPr>
-            <a:r>
-              <a:rPr lang="vi-VN" altLang="en-US" sz="2400">
-                <a:solidFill>
-                  <a:schemeClr val="tx2"/>
-                </a:solidFill>
-                <a:latin typeface="+mj-lt"/>
-                <a:ea typeface="Open Sans" pitchFamily="-65" charset="0"/>
-              </a:rPr>
-              <a:t>Zachman framework là một cấu trúc cơ bản cho EA, cung cấp một phương pháp chính thức và có cấu trúc để xem xét và định nghĩa một doanh nghiệp</a:t>
-            </a:r>
-            <a:endParaRPr lang="en-US" altLang="en-US" sz="2400">
-              <a:solidFill>
-                <a:schemeClr val="tx2"/>
-              </a:solidFill>
-              <a:latin typeface="+mj-lt"/>
-              <a:ea typeface="Open Sans" pitchFamily="-65" charset="0"/>
-            </a:endParaRPr>
-          </a:p>
-          <a:p>
-            <a:pPr marL="285750" indent="-285750" algn="just">
-              <a:spcAft>
-                <a:spcPts val="1200"/>
-              </a:spcAft>
-              <a:buFont typeface="Wingdings" panose="05000000000000000000" pitchFamily="2" charset="2"/>
-              <a:buChar char="v"/>
-            </a:pPr>
-            <a:r>
-              <a:rPr lang="vi-VN" altLang="en-US" sz="2400">
-                <a:solidFill>
-                  <a:schemeClr val="tx2"/>
-                </a:solidFill>
-                <a:latin typeface="+mj-lt"/>
-                <a:ea typeface="Open Sans" pitchFamily="-65" charset="0"/>
-              </a:rPr>
-              <a:t>Nó bao gồm một lược đồ ma trận phân loại hai chiều, phản ánh sự giao nhau giữa hai phân loại đặc trưng. </a:t>
-            </a:r>
-          </a:p>
-          <a:p>
-            <a:pPr marL="1028700" lvl="1" algn="just">
-              <a:spcAft>
-                <a:spcPts val="1200"/>
-              </a:spcAft>
-              <a:buFont typeface="Wingdings" panose="05000000000000000000" pitchFamily="2" charset="2"/>
-              <a:buChar char="§"/>
-            </a:pPr>
-            <a:r>
-              <a:rPr lang="vi-VN" altLang="en-US" sz="2400">
-                <a:solidFill>
-                  <a:schemeClr val="tx2"/>
-                </a:solidFill>
-                <a:latin typeface="+mj-lt"/>
-                <a:ea typeface="Open Sans" pitchFamily="-65" charset="0"/>
-              </a:rPr>
-              <a:t>Phân loại đầu tiên là các câu hỏi Cái gì (What), Như thế nào (How), Khi nào (When), Ai (Who), Ở đâu (Where), và Tại sao (Why).</a:t>
-            </a:r>
-          </a:p>
-          <a:p>
-            <a:pPr marL="1028700" lvl="1" algn="just">
-              <a:spcAft>
-                <a:spcPts val="1200"/>
-              </a:spcAft>
-              <a:buFont typeface="Wingdings" panose="05000000000000000000" pitchFamily="2" charset="2"/>
-              <a:buChar char="§"/>
-            </a:pPr>
-            <a:r>
-              <a:rPr lang="vi-VN" altLang="en-US" sz="2400">
-                <a:solidFill>
-                  <a:schemeClr val="tx2"/>
-                </a:solidFill>
-                <a:latin typeface="+mj-lt"/>
-                <a:ea typeface="Open Sans" pitchFamily="-65" charset="0"/>
-              </a:rPr>
-              <a:t>Phân loại thứ hai là năm mức độ cải cách, liên tục chuyển đổi những ý tưởng trừu tượng (ở mức độ Scope – phạm vi) thành các ý tưởng cụ thể (mức độ Operations – vận hành).</a:t>
-            </a:r>
-          </a:p>
-          <a:p>
-            <a:pPr marL="285750" indent="-285750" algn="just">
-              <a:spcAft>
-                <a:spcPts val="1200"/>
-              </a:spcAft>
-              <a:buFont typeface="Wingdings" panose="05000000000000000000" pitchFamily="2" charset="2"/>
-              <a:buChar char="v"/>
-            </a:pPr>
-            <a:endParaRPr lang="en-US" altLang="en-US" sz="2400">
-              <a:solidFill>
-                <a:schemeClr val="tx2"/>
-              </a:solidFill>
-              <a:latin typeface="+mj-lt"/>
-              <a:ea typeface="Open Sans" pitchFamily="-65" charset="0"/>
-            </a:endParaRPr>
+          <a:bodyPr/>
+          <a:lstStyle/>
+          <a:p>
+            <a:r>
+              <a:rPr lang="en-US">
+                <a:solidFill>
+                  <a:schemeClr val="tx2"/>
+                </a:solidFill>
+              </a:rPr>
+              <a:t>21/05/2018</a:t>
+            </a:r>
           </a:p>
         </p:txBody>
       </p:sp>
@@ -5628,28 +5649,6 @@
       </p:sp>
       <p:sp>
         <p:nvSpPr>
-          <p:cNvPr id="2" name="Footer Placeholder 1"/>
-          <p:cNvSpPr>
-            <a:spLocks noGrp="1"/>
-          </p:cNvSpPr>
-          <p:nvPr>
-            <p:ph type="ftr" sz="quarter" idx="14"/>
-          </p:nvPr>
-        </p:nvSpPr>
-        <p:spPr/>
-        <p:txBody>
-          <a:bodyPr/>
-          <a:lstStyle/>
-          <a:p>
-            <a:r>
-              <a:rPr lang="en-US"/>
-              <a:t>11/05/2017</a:t>
-            </a:r>
-          </a:p>
-        </p:txBody>
-      </p:sp>
-      <p:sp>
-        <p:nvSpPr>
           <p:cNvPr id="4" name="Slide Number Placeholder 3"/>
           <p:cNvSpPr>
             <a:spLocks noGrp="1"/>
@@ -6101,6 +6100,43 @@
               <a:latin typeface="+mj-lt"/>
               <a:ea typeface="Open Sans" pitchFamily="-65" charset="0"/>
             </a:endParaRPr>
+          </a:p>
+        </p:txBody>
+      </p:sp>
+      <p:sp>
+        <p:nvSpPr>
+          <p:cNvPr id="11" name="Footer Placeholder 1">
+            <a:extLst>
+              <a:ext uri="{FF2B5EF4-FFF2-40B4-BE49-F238E27FC236}">
+                <a16:creationId xmlns:a16="http://schemas.microsoft.com/office/drawing/2014/main" id="{2820BC5B-C277-4557-91FA-D6A2BF724C9F}"/>
+              </a:ext>
+            </a:extLst>
+          </p:cNvPr>
+          <p:cNvSpPr>
+            <a:spLocks noGrp="1"/>
+          </p:cNvSpPr>
+          <p:nvPr>
+            <p:ph type="ftr" sz="quarter" idx="14"/>
+          </p:nvPr>
+        </p:nvSpPr>
+        <p:spPr>
+          <a:xfrm>
+            <a:off x="3976638" y="6442059"/>
+            <a:ext cx="4114800" cy="365125"/>
+          </a:xfrm>
+        </p:spPr>
+        <p:txBody>
+          <a:bodyPr/>
+          <a:lstStyle/>
+          <a:p>
+            <a:r>
+              <a:rPr lang="en-US">
+                <a:solidFill>
+                  <a:schemeClr val="tx2"/>
+                </a:solidFill>
+              </a:rPr>
+              <a:t>21/05/2018</a:t>
+            </a:r>
           </a:p>
         </p:txBody>
       </p:sp>
@@ -6515,28 +6551,6 @@
       </p:sp>
       <p:sp>
         <p:nvSpPr>
-          <p:cNvPr id="2" name="Footer Placeholder 1"/>
-          <p:cNvSpPr>
-            <a:spLocks noGrp="1"/>
-          </p:cNvSpPr>
-          <p:nvPr>
-            <p:ph type="ftr" sz="quarter" idx="14"/>
-          </p:nvPr>
-        </p:nvSpPr>
-        <p:spPr/>
-        <p:txBody>
-          <a:bodyPr/>
-          <a:lstStyle/>
-          <a:p>
-            <a:r>
-              <a:rPr lang="en-US"/>
-              <a:t>11/05/2017</a:t>
-            </a:r>
-          </a:p>
-        </p:txBody>
-      </p:sp>
-      <p:sp>
-        <p:nvSpPr>
           <p:cNvPr id="4" name="Slide Number Placeholder 3"/>
           <p:cNvSpPr>
             <a:spLocks noGrp="1"/>
@@ -6628,6 +6642,43 @@
           </a:ln>
         </p:spPr>
       </p:pic>
+      <p:sp>
+        <p:nvSpPr>
+          <p:cNvPr id="9" name="Footer Placeholder 1">
+            <a:extLst>
+              <a:ext uri="{FF2B5EF4-FFF2-40B4-BE49-F238E27FC236}">
+                <a16:creationId xmlns:a16="http://schemas.microsoft.com/office/drawing/2014/main" id="{F6DC5360-EABF-4285-9B71-B2543DDDFA23}"/>
+              </a:ext>
+            </a:extLst>
+          </p:cNvPr>
+          <p:cNvSpPr>
+            <a:spLocks noGrp="1"/>
+          </p:cNvSpPr>
+          <p:nvPr>
+            <p:ph type="ftr" sz="quarter" idx="14"/>
+          </p:nvPr>
+        </p:nvSpPr>
+        <p:spPr>
+          <a:xfrm>
+            <a:off x="3976638" y="6442059"/>
+            <a:ext cx="4114800" cy="365125"/>
+          </a:xfrm>
+        </p:spPr>
+        <p:txBody>
+          <a:bodyPr/>
+          <a:lstStyle/>
+          <a:p>
+            <a:r>
+              <a:rPr lang="en-US">
+                <a:solidFill>
+                  <a:schemeClr val="tx2"/>
+                </a:solidFill>
+              </a:rPr>
+              <a:t>21/05/2018</a:t>
+            </a:r>
+          </a:p>
+        </p:txBody>
+      </p:sp>
     </p:spTree>
     <p:extLst>
       <p:ext uri="{BB962C8B-B14F-4D97-AF65-F5344CB8AC3E}">
@@ -6900,28 +6951,6 @@
               </a:solidFill>
               <a:latin typeface="Montserrat" panose="00000500000000000000" pitchFamily="50" charset="0"/>
             </a:endParaRPr>
-          </a:p>
-        </p:txBody>
-      </p:sp>
-      <p:sp>
-        <p:nvSpPr>
-          <p:cNvPr id="2" name="Footer Placeholder 1"/>
-          <p:cNvSpPr>
-            <a:spLocks noGrp="1"/>
-          </p:cNvSpPr>
-          <p:nvPr>
-            <p:ph type="ftr" sz="quarter" idx="14"/>
-          </p:nvPr>
-        </p:nvSpPr>
-        <p:spPr/>
-        <p:txBody>
-          <a:bodyPr/>
-          <a:lstStyle/>
-          <a:p>
-            <a:r>
-              <a:rPr lang="en-US"/>
-              <a:t>11/05/2017</a:t>
-            </a:r>
           </a:p>
         </p:txBody>
       </p:sp>
@@ -7324,6 +7353,43 @@
               <a:ea typeface="Calibri" panose="020F0502020204030204" pitchFamily="34" charset="0"/>
               <a:cs typeface="Times New Roman" panose="02020603050405020304" pitchFamily="18" charset="0"/>
             </a:endParaRPr>
+          </a:p>
+        </p:txBody>
+      </p:sp>
+      <p:sp>
+        <p:nvSpPr>
+          <p:cNvPr id="9" name="Footer Placeholder 1">
+            <a:extLst>
+              <a:ext uri="{FF2B5EF4-FFF2-40B4-BE49-F238E27FC236}">
+                <a16:creationId xmlns:a16="http://schemas.microsoft.com/office/drawing/2014/main" id="{5147716C-21E1-4099-9602-6262742E6261}"/>
+              </a:ext>
+            </a:extLst>
+          </p:cNvPr>
+          <p:cNvSpPr>
+            <a:spLocks noGrp="1"/>
+          </p:cNvSpPr>
+          <p:nvPr>
+            <p:ph type="ftr" sz="quarter" idx="14"/>
+          </p:nvPr>
+        </p:nvSpPr>
+        <p:spPr>
+          <a:xfrm>
+            <a:off x="3976638" y="6442059"/>
+            <a:ext cx="4114800" cy="365125"/>
+          </a:xfrm>
+        </p:spPr>
+        <p:txBody>
+          <a:bodyPr/>
+          <a:lstStyle/>
+          <a:p>
+            <a:r>
+              <a:rPr lang="en-US">
+                <a:solidFill>
+                  <a:schemeClr val="tx2"/>
+                </a:solidFill>
+              </a:rPr>
+              <a:t>21/05/2018</a:t>
+            </a:r>
           </a:p>
         </p:txBody>
       </p:sp>
@@ -7693,28 +7759,6 @@
       </p:sp>
       <p:sp>
         <p:nvSpPr>
-          <p:cNvPr id="2" name="Footer Placeholder 1"/>
-          <p:cNvSpPr>
-            <a:spLocks noGrp="1"/>
-          </p:cNvSpPr>
-          <p:nvPr>
-            <p:ph type="ftr" sz="quarter" idx="14"/>
-          </p:nvPr>
-        </p:nvSpPr>
-        <p:spPr/>
-        <p:txBody>
-          <a:bodyPr/>
-          <a:lstStyle/>
-          <a:p>
-            <a:r>
-              <a:rPr lang="en-US"/>
-              <a:t>11/05/2017</a:t>
-            </a:r>
-          </a:p>
-        </p:txBody>
-      </p:sp>
-      <p:sp>
-        <p:nvSpPr>
           <p:cNvPr id="4" name="Slide Number Placeholder 3"/>
           <p:cNvSpPr>
             <a:spLocks noGrp="1"/>
@@ -8010,6 +8054,43 @@
           </a:prstGeom>
         </p:spPr>
       </p:pic>
+      <p:sp>
+        <p:nvSpPr>
+          <p:cNvPr id="11" name="Footer Placeholder 1">
+            <a:extLst>
+              <a:ext uri="{FF2B5EF4-FFF2-40B4-BE49-F238E27FC236}">
+                <a16:creationId xmlns:a16="http://schemas.microsoft.com/office/drawing/2014/main" id="{A9A76F84-1CF4-44C7-B659-59045DB039AC}"/>
+              </a:ext>
+            </a:extLst>
+          </p:cNvPr>
+          <p:cNvSpPr>
+            <a:spLocks noGrp="1"/>
+          </p:cNvSpPr>
+          <p:nvPr>
+            <p:ph type="ftr" sz="quarter" idx="14"/>
+          </p:nvPr>
+        </p:nvSpPr>
+        <p:spPr>
+          <a:xfrm>
+            <a:off x="3976638" y="6442059"/>
+            <a:ext cx="4114800" cy="365125"/>
+          </a:xfrm>
+        </p:spPr>
+        <p:txBody>
+          <a:bodyPr/>
+          <a:lstStyle/>
+          <a:p>
+            <a:r>
+              <a:rPr lang="en-US">
+                <a:solidFill>
+                  <a:schemeClr val="tx2"/>
+                </a:solidFill>
+              </a:rPr>
+              <a:t>21/05/2018</a:t>
+            </a:r>
+          </a:p>
+        </p:txBody>
+      </p:sp>
     </p:spTree>
     <p:extLst>
       <p:ext uri="{BB962C8B-B14F-4D97-AF65-F5344CB8AC3E}">
@@ -8385,28 +8466,6 @@
       </p:sp>
       <p:sp>
         <p:nvSpPr>
-          <p:cNvPr id="2" name="Footer Placeholder 1"/>
-          <p:cNvSpPr>
-            <a:spLocks noGrp="1"/>
-          </p:cNvSpPr>
-          <p:nvPr>
-            <p:ph type="ftr" sz="quarter" idx="14"/>
-          </p:nvPr>
-        </p:nvSpPr>
-        <p:spPr/>
-        <p:txBody>
-          <a:bodyPr/>
-          <a:lstStyle/>
-          <a:p>
-            <a:r>
-              <a:rPr lang="en-US"/>
-              <a:t>11/05/2017</a:t>
-            </a:r>
-          </a:p>
-        </p:txBody>
-      </p:sp>
-      <p:sp>
-        <p:nvSpPr>
           <p:cNvPr id="4" name="Slide Number Placeholder 3"/>
           <p:cNvSpPr>
             <a:spLocks noGrp="1"/>
@@ -8682,6 +8741,43 @@
           </a:prstGeom>
         </p:spPr>
       </p:pic>
+      <p:sp>
+        <p:nvSpPr>
+          <p:cNvPr id="10" name="Footer Placeholder 1">
+            <a:extLst>
+              <a:ext uri="{FF2B5EF4-FFF2-40B4-BE49-F238E27FC236}">
+                <a16:creationId xmlns:a16="http://schemas.microsoft.com/office/drawing/2014/main" id="{3BB79FBD-1DB5-42FA-A260-EB509DFEF1A1}"/>
+              </a:ext>
+            </a:extLst>
+          </p:cNvPr>
+          <p:cNvSpPr>
+            <a:spLocks noGrp="1"/>
+          </p:cNvSpPr>
+          <p:nvPr>
+            <p:ph type="ftr" sz="quarter" idx="14"/>
+          </p:nvPr>
+        </p:nvSpPr>
+        <p:spPr>
+          <a:xfrm>
+            <a:off x="3976638" y="6442059"/>
+            <a:ext cx="4114800" cy="365125"/>
+          </a:xfrm>
+        </p:spPr>
+        <p:txBody>
+          <a:bodyPr/>
+          <a:lstStyle/>
+          <a:p>
+            <a:r>
+              <a:rPr lang="en-US">
+                <a:solidFill>
+                  <a:schemeClr val="tx2"/>
+                </a:solidFill>
+              </a:rPr>
+              <a:t>21/05/2018</a:t>
+            </a:r>
+          </a:p>
+        </p:txBody>
+      </p:sp>
     </p:spTree>
     <p:extLst>
       <p:ext uri="{BB962C8B-B14F-4D97-AF65-F5344CB8AC3E}">
@@ -9081,28 +9177,6 @@
       </p:sp>
       <p:sp>
         <p:nvSpPr>
-          <p:cNvPr id="2" name="Footer Placeholder 1"/>
-          <p:cNvSpPr>
-            <a:spLocks noGrp="1"/>
-          </p:cNvSpPr>
-          <p:nvPr>
-            <p:ph type="ftr" sz="quarter" idx="14"/>
-          </p:nvPr>
-        </p:nvSpPr>
-        <p:spPr/>
-        <p:txBody>
-          <a:bodyPr/>
-          <a:lstStyle/>
-          <a:p>
-            <a:r>
-              <a:rPr lang="en-US"/>
-              <a:t>11/05/2017</a:t>
-            </a:r>
-          </a:p>
-        </p:txBody>
-      </p:sp>
-      <p:sp>
-        <p:nvSpPr>
           <p:cNvPr id="4" name="Slide Number Placeholder 3"/>
           <p:cNvSpPr>
             <a:spLocks noGrp="1"/>
@@ -9359,6 +9433,43 @@
           </a:prstGeom>
         </p:spPr>
       </p:pic>
+      <p:sp>
+        <p:nvSpPr>
+          <p:cNvPr id="11" name="Footer Placeholder 1">
+            <a:extLst>
+              <a:ext uri="{FF2B5EF4-FFF2-40B4-BE49-F238E27FC236}">
+                <a16:creationId xmlns:a16="http://schemas.microsoft.com/office/drawing/2014/main" id="{C32BC014-95DD-4066-B8AE-8A72FA6A3A7F}"/>
+              </a:ext>
+            </a:extLst>
+          </p:cNvPr>
+          <p:cNvSpPr>
+            <a:spLocks noGrp="1"/>
+          </p:cNvSpPr>
+          <p:nvPr>
+            <p:ph type="ftr" sz="quarter" idx="14"/>
+          </p:nvPr>
+        </p:nvSpPr>
+        <p:spPr>
+          <a:xfrm>
+            <a:off x="3976638" y="6442059"/>
+            <a:ext cx="4114800" cy="365125"/>
+          </a:xfrm>
+        </p:spPr>
+        <p:txBody>
+          <a:bodyPr/>
+          <a:lstStyle/>
+          <a:p>
+            <a:r>
+              <a:rPr lang="en-US">
+                <a:solidFill>
+                  <a:schemeClr val="tx2"/>
+                </a:solidFill>
+              </a:rPr>
+              <a:t>21/05/2018</a:t>
+            </a:r>
+          </a:p>
+        </p:txBody>
+      </p:sp>
     </p:spTree>
     <p:extLst>
       <p:ext uri="{BB962C8B-B14F-4D97-AF65-F5344CB8AC3E}">
@@ -9734,28 +9845,6 @@
       </p:sp>
       <p:sp>
         <p:nvSpPr>
-          <p:cNvPr id="2" name="Footer Placeholder 1"/>
-          <p:cNvSpPr>
-            <a:spLocks noGrp="1"/>
-          </p:cNvSpPr>
-          <p:nvPr>
-            <p:ph type="ftr" sz="quarter" idx="14"/>
-          </p:nvPr>
-        </p:nvSpPr>
-        <p:spPr/>
-        <p:txBody>
-          <a:bodyPr/>
-          <a:lstStyle/>
-          <a:p>
-            <a:r>
-              <a:rPr lang="en-US"/>
-              <a:t>11/05/2017</a:t>
-            </a:r>
-          </a:p>
-        </p:txBody>
-      </p:sp>
-      <p:sp>
-        <p:nvSpPr>
           <p:cNvPr id="4" name="Slide Number Placeholder 3"/>
           <p:cNvSpPr>
             <a:spLocks noGrp="1"/>
@@ -9836,6 +9925,43 @@
           </a:prstGeom>
         </p:spPr>
       </p:pic>
+      <p:sp>
+        <p:nvSpPr>
+          <p:cNvPr id="9" name="Footer Placeholder 1">
+            <a:extLst>
+              <a:ext uri="{FF2B5EF4-FFF2-40B4-BE49-F238E27FC236}">
+                <a16:creationId xmlns:a16="http://schemas.microsoft.com/office/drawing/2014/main" id="{00ECEF82-D16E-4FDD-9EF6-4762380FD123}"/>
+              </a:ext>
+            </a:extLst>
+          </p:cNvPr>
+          <p:cNvSpPr>
+            <a:spLocks noGrp="1"/>
+          </p:cNvSpPr>
+          <p:nvPr>
+            <p:ph type="ftr" sz="quarter" idx="14"/>
+          </p:nvPr>
+        </p:nvSpPr>
+        <p:spPr>
+          <a:xfrm>
+            <a:off x="3976638" y="6442059"/>
+            <a:ext cx="4114800" cy="365125"/>
+          </a:xfrm>
+        </p:spPr>
+        <p:txBody>
+          <a:bodyPr/>
+          <a:lstStyle/>
+          <a:p>
+            <a:r>
+              <a:rPr lang="en-US">
+                <a:solidFill>
+                  <a:schemeClr val="tx2"/>
+                </a:solidFill>
+              </a:rPr>
+              <a:t>21/05/2018</a:t>
+            </a:r>
+          </a:p>
+        </p:txBody>
+      </p:sp>
     </p:spTree>
     <p:extLst>
       <p:ext uri="{BB962C8B-B14F-4D97-AF65-F5344CB8AC3E}">
@@ -10117,28 +10243,6 @@
               </a:solidFill>
               <a:latin typeface="Montserrat" panose="00000500000000000000" pitchFamily="50" charset="0"/>
             </a:endParaRPr>
-          </a:p>
-        </p:txBody>
-      </p:sp>
-      <p:sp>
-        <p:nvSpPr>
-          <p:cNvPr id="2" name="Footer Placeholder 1"/>
-          <p:cNvSpPr>
-            <a:spLocks noGrp="1"/>
-          </p:cNvSpPr>
-          <p:nvPr>
-            <p:ph type="ftr" sz="quarter" idx="14"/>
-          </p:nvPr>
-        </p:nvSpPr>
-        <p:spPr/>
-        <p:txBody>
-          <a:bodyPr/>
-          <a:lstStyle/>
-          <a:p>
-            <a:r>
-              <a:rPr lang="en-US"/>
-              <a:t>11/05/2017</a:t>
-            </a:r>
           </a:p>
         </p:txBody>
       </p:sp>
@@ -10522,6 +10626,43 @@
           </a:prstGeom>
         </p:spPr>
       </p:pic>
+      <p:sp>
+        <p:nvSpPr>
+          <p:cNvPr id="12" name="Footer Placeholder 1">
+            <a:extLst>
+              <a:ext uri="{FF2B5EF4-FFF2-40B4-BE49-F238E27FC236}">
+                <a16:creationId xmlns:a16="http://schemas.microsoft.com/office/drawing/2014/main" id="{96255858-6390-4E64-9C56-CD02A17994D8}"/>
+              </a:ext>
+            </a:extLst>
+          </p:cNvPr>
+          <p:cNvSpPr>
+            <a:spLocks noGrp="1"/>
+          </p:cNvSpPr>
+          <p:nvPr>
+            <p:ph type="ftr" sz="quarter" idx="14"/>
+          </p:nvPr>
+        </p:nvSpPr>
+        <p:spPr>
+          <a:xfrm>
+            <a:off x="3976638" y="6442059"/>
+            <a:ext cx="4114800" cy="365125"/>
+          </a:xfrm>
+        </p:spPr>
+        <p:txBody>
+          <a:bodyPr/>
+          <a:lstStyle/>
+          <a:p>
+            <a:r>
+              <a:rPr lang="en-US">
+                <a:solidFill>
+                  <a:schemeClr val="tx2"/>
+                </a:solidFill>
+              </a:rPr>
+              <a:t>21/05/2018</a:t>
+            </a:r>
+          </a:p>
+        </p:txBody>
+      </p:sp>
     </p:spTree>
     <p:extLst>
       <p:ext uri="{BB962C8B-B14F-4D97-AF65-F5344CB8AC3E}">
@@ -10897,28 +11038,6 @@
       </p:sp>
       <p:sp>
         <p:nvSpPr>
-          <p:cNvPr id="2" name="Footer Placeholder 1"/>
-          <p:cNvSpPr>
-            <a:spLocks noGrp="1"/>
-          </p:cNvSpPr>
-          <p:nvPr>
-            <p:ph type="ftr" sz="quarter" idx="14"/>
-          </p:nvPr>
-        </p:nvSpPr>
-        <p:spPr/>
-        <p:txBody>
-          <a:bodyPr/>
-          <a:lstStyle/>
-          <a:p>
-            <a:r>
-              <a:rPr lang="en-US"/>
-              <a:t>11/05/2017</a:t>
-            </a:r>
-          </a:p>
-        </p:txBody>
-      </p:sp>
-      <p:sp>
-        <p:nvSpPr>
           <p:cNvPr id="4" name="Slide Number Placeholder 3"/>
           <p:cNvSpPr>
             <a:spLocks noGrp="1"/>
@@ -11536,6 +11655,43 @@
           </a:prstGeom>
         </p:spPr>
       </p:pic>
+      <p:sp>
+        <p:nvSpPr>
+          <p:cNvPr id="15" name="Footer Placeholder 1">
+            <a:extLst>
+              <a:ext uri="{FF2B5EF4-FFF2-40B4-BE49-F238E27FC236}">
+                <a16:creationId xmlns:a16="http://schemas.microsoft.com/office/drawing/2014/main" id="{DF6E2C83-7A82-4379-835D-6EA06B7AE73A}"/>
+              </a:ext>
+            </a:extLst>
+          </p:cNvPr>
+          <p:cNvSpPr>
+            <a:spLocks noGrp="1"/>
+          </p:cNvSpPr>
+          <p:nvPr>
+            <p:ph type="ftr" sz="quarter" idx="14"/>
+          </p:nvPr>
+        </p:nvSpPr>
+        <p:spPr>
+          <a:xfrm>
+            <a:off x="3976638" y="6442059"/>
+            <a:ext cx="4114800" cy="365125"/>
+          </a:xfrm>
+        </p:spPr>
+        <p:txBody>
+          <a:bodyPr/>
+          <a:lstStyle/>
+          <a:p>
+            <a:r>
+              <a:rPr lang="en-US">
+                <a:solidFill>
+                  <a:schemeClr val="tx2"/>
+                </a:solidFill>
+              </a:rPr>
+              <a:t>21/05/2018</a:t>
+            </a:r>
+          </a:p>
+        </p:txBody>
+      </p:sp>
     </p:spTree>
     <p:extLst>
       <p:ext uri="{BB962C8B-B14F-4D97-AF65-F5344CB8AC3E}">
@@ -12616,28 +12772,6 @@
       </p:sp>
       <p:sp>
         <p:nvSpPr>
-          <p:cNvPr id="2" name="Footer Placeholder 1"/>
-          <p:cNvSpPr>
-            <a:spLocks noGrp="1"/>
-          </p:cNvSpPr>
-          <p:nvPr>
-            <p:ph type="ftr" sz="quarter" idx="14"/>
-          </p:nvPr>
-        </p:nvSpPr>
-        <p:spPr/>
-        <p:txBody>
-          <a:bodyPr/>
-          <a:lstStyle/>
-          <a:p>
-            <a:r>
-              <a:rPr lang="en-US"/>
-              <a:t>11/05/2017</a:t>
-            </a:r>
-          </a:p>
-        </p:txBody>
-      </p:sp>
-      <p:sp>
-        <p:nvSpPr>
           <p:cNvPr id="3" name="Slide Number Placeholder 2"/>
           <p:cNvSpPr>
             <a:spLocks noGrp="1"/>
@@ -12657,6 +12791,43 @@
               <a:t>2</a:t>
             </a:fld>
             <a:endParaRPr lang="en-US"/>
+          </a:p>
+        </p:txBody>
+      </p:sp>
+      <p:sp>
+        <p:nvSpPr>
+          <p:cNvPr id="15" name="Footer Placeholder 1">
+            <a:extLst>
+              <a:ext uri="{FF2B5EF4-FFF2-40B4-BE49-F238E27FC236}">
+                <a16:creationId xmlns:a16="http://schemas.microsoft.com/office/drawing/2014/main" id="{B2A4FEC7-FEEC-4C6B-8CDD-7EB41D4AB286}"/>
+              </a:ext>
+            </a:extLst>
+          </p:cNvPr>
+          <p:cNvSpPr>
+            <a:spLocks noGrp="1"/>
+          </p:cNvSpPr>
+          <p:nvPr>
+            <p:ph type="ftr" sz="quarter" idx="14"/>
+          </p:nvPr>
+        </p:nvSpPr>
+        <p:spPr>
+          <a:xfrm>
+            <a:off x="4038600" y="6341895"/>
+            <a:ext cx="4114800" cy="365125"/>
+          </a:xfrm>
+        </p:spPr>
+        <p:txBody>
+          <a:bodyPr/>
+          <a:lstStyle/>
+          <a:p>
+            <a:r>
+              <a:rPr lang="en-US">
+                <a:solidFill>
+                  <a:schemeClr val="bg1"/>
+                </a:solidFill>
+              </a:rPr>
+              <a:t>21/05/2018</a:t>
+            </a:r>
           </a:p>
         </p:txBody>
       </p:sp>
@@ -12941,28 +13112,6 @@
               </a:solidFill>
               <a:latin typeface="Montserrat" panose="00000500000000000000" pitchFamily="50" charset="0"/>
             </a:endParaRPr>
-          </a:p>
-        </p:txBody>
-      </p:sp>
-      <p:sp>
-        <p:nvSpPr>
-          <p:cNvPr id="2" name="Footer Placeholder 1"/>
-          <p:cNvSpPr>
-            <a:spLocks noGrp="1"/>
-          </p:cNvSpPr>
-          <p:nvPr>
-            <p:ph type="ftr" sz="quarter" idx="14"/>
-          </p:nvPr>
-        </p:nvSpPr>
-        <p:spPr/>
-        <p:txBody>
-          <a:bodyPr/>
-          <a:lstStyle/>
-          <a:p>
-            <a:r>
-              <a:rPr lang="en-US"/>
-              <a:t>11/05/2017</a:t>
-            </a:r>
           </a:p>
         </p:txBody>
       </p:sp>
@@ -13365,6 +13514,43 @@
           </a:prstGeom>
         </p:spPr>
       </p:pic>
+      <p:sp>
+        <p:nvSpPr>
+          <p:cNvPr id="12" name="Footer Placeholder 1">
+            <a:extLst>
+              <a:ext uri="{FF2B5EF4-FFF2-40B4-BE49-F238E27FC236}">
+                <a16:creationId xmlns:a16="http://schemas.microsoft.com/office/drawing/2014/main" id="{080886B5-B7E7-4FB6-9468-25831621601D}"/>
+              </a:ext>
+            </a:extLst>
+          </p:cNvPr>
+          <p:cNvSpPr>
+            <a:spLocks noGrp="1"/>
+          </p:cNvSpPr>
+          <p:nvPr>
+            <p:ph type="ftr" sz="quarter" idx="14"/>
+          </p:nvPr>
+        </p:nvSpPr>
+        <p:spPr>
+          <a:xfrm>
+            <a:off x="3976638" y="6442059"/>
+            <a:ext cx="4114800" cy="365125"/>
+          </a:xfrm>
+        </p:spPr>
+        <p:txBody>
+          <a:bodyPr/>
+          <a:lstStyle/>
+          <a:p>
+            <a:r>
+              <a:rPr lang="en-US">
+                <a:solidFill>
+                  <a:schemeClr val="tx2"/>
+                </a:solidFill>
+              </a:rPr>
+              <a:t>21/05/2018</a:t>
+            </a:r>
+          </a:p>
+        </p:txBody>
+      </p:sp>
     </p:spTree>
     <p:extLst>
       <p:ext uri="{BB962C8B-B14F-4D97-AF65-F5344CB8AC3E}">
@@ -13694,28 +13880,6 @@
       </p:sp>
       <p:sp>
         <p:nvSpPr>
-          <p:cNvPr id="2" name="Footer Placeholder 1"/>
-          <p:cNvSpPr>
-            <a:spLocks noGrp="1"/>
-          </p:cNvSpPr>
-          <p:nvPr>
-            <p:ph type="ftr" sz="quarter" idx="14"/>
-          </p:nvPr>
-        </p:nvSpPr>
-        <p:spPr/>
-        <p:txBody>
-          <a:bodyPr/>
-          <a:lstStyle/>
-          <a:p>
-            <a:r>
-              <a:rPr lang="en-US"/>
-              <a:t>11/05/2017</a:t>
-            </a:r>
-          </a:p>
-        </p:txBody>
-      </p:sp>
-      <p:sp>
-        <p:nvSpPr>
           <p:cNvPr id="4" name="Slide Number Placeholder 3"/>
           <p:cNvSpPr>
             <a:spLocks noGrp="1"/>
@@ -14404,6 +14568,43 @@
           </a:prstGeom>
         </p:spPr>
       </p:pic>
+      <p:sp>
+        <p:nvSpPr>
+          <p:cNvPr id="18" name="Footer Placeholder 1">
+            <a:extLst>
+              <a:ext uri="{FF2B5EF4-FFF2-40B4-BE49-F238E27FC236}">
+                <a16:creationId xmlns:a16="http://schemas.microsoft.com/office/drawing/2014/main" id="{9BFF2EF4-4C18-4298-8824-BBCA6D12A9E7}"/>
+              </a:ext>
+            </a:extLst>
+          </p:cNvPr>
+          <p:cNvSpPr>
+            <a:spLocks noGrp="1"/>
+          </p:cNvSpPr>
+          <p:nvPr>
+            <p:ph type="ftr" sz="quarter" idx="14"/>
+          </p:nvPr>
+        </p:nvSpPr>
+        <p:spPr>
+          <a:xfrm>
+            <a:off x="3976638" y="6442059"/>
+            <a:ext cx="4114800" cy="365125"/>
+          </a:xfrm>
+        </p:spPr>
+        <p:txBody>
+          <a:bodyPr/>
+          <a:lstStyle/>
+          <a:p>
+            <a:r>
+              <a:rPr lang="en-US">
+                <a:solidFill>
+                  <a:schemeClr val="tx2"/>
+                </a:solidFill>
+              </a:rPr>
+              <a:t>21/05/2018</a:t>
+            </a:r>
+          </a:p>
+        </p:txBody>
+      </p:sp>
     </p:spTree>
     <p:extLst>
       <p:ext uri="{BB962C8B-B14F-4D97-AF65-F5344CB8AC3E}">
@@ -14824,28 +15025,6 @@
       </p:sp>
       <p:sp>
         <p:nvSpPr>
-          <p:cNvPr id="2" name="Footer Placeholder 1"/>
-          <p:cNvSpPr>
-            <a:spLocks noGrp="1"/>
-          </p:cNvSpPr>
-          <p:nvPr>
-            <p:ph type="ftr" sz="quarter" idx="14"/>
-          </p:nvPr>
-        </p:nvSpPr>
-        <p:spPr/>
-        <p:txBody>
-          <a:bodyPr/>
-          <a:lstStyle/>
-          <a:p>
-            <a:r>
-              <a:rPr lang="en-US"/>
-              <a:t>11/05/2017</a:t>
-            </a:r>
-          </a:p>
-        </p:txBody>
-      </p:sp>
-      <p:sp>
-        <p:nvSpPr>
           <p:cNvPr id="4" name="Slide Number Placeholder 3"/>
           <p:cNvSpPr>
             <a:spLocks noGrp="1"/>
@@ -15243,6 +15422,43 @@
           </a:prstGeom>
         </p:spPr>
       </p:pic>
+      <p:sp>
+        <p:nvSpPr>
+          <p:cNvPr id="12" name="Footer Placeholder 1">
+            <a:extLst>
+              <a:ext uri="{FF2B5EF4-FFF2-40B4-BE49-F238E27FC236}">
+                <a16:creationId xmlns:a16="http://schemas.microsoft.com/office/drawing/2014/main" id="{2A6C803C-A427-4EAE-98E1-5F0AD3B469EB}"/>
+              </a:ext>
+            </a:extLst>
+          </p:cNvPr>
+          <p:cNvSpPr>
+            <a:spLocks noGrp="1"/>
+          </p:cNvSpPr>
+          <p:nvPr>
+            <p:ph type="ftr" sz="quarter" idx="14"/>
+          </p:nvPr>
+        </p:nvSpPr>
+        <p:spPr>
+          <a:xfrm>
+            <a:off x="3976638" y="6442059"/>
+            <a:ext cx="4114800" cy="365125"/>
+          </a:xfrm>
+        </p:spPr>
+        <p:txBody>
+          <a:bodyPr/>
+          <a:lstStyle/>
+          <a:p>
+            <a:r>
+              <a:rPr lang="en-US">
+                <a:solidFill>
+                  <a:schemeClr val="tx2"/>
+                </a:solidFill>
+              </a:rPr>
+              <a:t>21/05/2018</a:t>
+            </a:r>
+          </a:p>
+        </p:txBody>
+      </p:sp>
     </p:spTree>
     <p:extLst>
       <p:ext uri="{BB962C8B-B14F-4D97-AF65-F5344CB8AC3E}">
@@ -15572,28 +15788,6 @@
       </p:sp>
       <p:sp>
         <p:nvSpPr>
-          <p:cNvPr id="2" name="Footer Placeholder 1"/>
-          <p:cNvSpPr>
-            <a:spLocks noGrp="1"/>
-          </p:cNvSpPr>
-          <p:nvPr>
-            <p:ph type="ftr" sz="quarter" idx="14"/>
-          </p:nvPr>
-        </p:nvSpPr>
-        <p:spPr/>
-        <p:txBody>
-          <a:bodyPr/>
-          <a:lstStyle/>
-          <a:p>
-            <a:r>
-              <a:rPr lang="en-US"/>
-              <a:t>11/05/2017</a:t>
-            </a:r>
-          </a:p>
-        </p:txBody>
-      </p:sp>
-      <p:sp>
-        <p:nvSpPr>
           <p:cNvPr id="4" name="Slide Number Placeholder 3"/>
           <p:cNvSpPr>
             <a:spLocks noGrp="1"/>
@@ -16282,6 +16476,43 @@
           </a:fontRef>
         </p:style>
       </p:cxnSp>
+      <p:sp>
+        <p:nvSpPr>
+          <p:cNvPr id="21" name="Footer Placeholder 1">
+            <a:extLst>
+              <a:ext uri="{FF2B5EF4-FFF2-40B4-BE49-F238E27FC236}">
+                <a16:creationId xmlns:a16="http://schemas.microsoft.com/office/drawing/2014/main" id="{9CC91E9D-C00D-4B4A-B5DF-BB017F1FD96B}"/>
+              </a:ext>
+            </a:extLst>
+          </p:cNvPr>
+          <p:cNvSpPr>
+            <a:spLocks noGrp="1"/>
+          </p:cNvSpPr>
+          <p:nvPr>
+            <p:ph type="ftr" sz="quarter" idx="14"/>
+          </p:nvPr>
+        </p:nvSpPr>
+        <p:spPr>
+          <a:xfrm>
+            <a:off x="3976638" y="6442059"/>
+            <a:ext cx="4114800" cy="365125"/>
+          </a:xfrm>
+        </p:spPr>
+        <p:txBody>
+          <a:bodyPr/>
+          <a:lstStyle/>
+          <a:p>
+            <a:r>
+              <a:rPr lang="en-US">
+                <a:solidFill>
+                  <a:schemeClr val="tx2"/>
+                </a:solidFill>
+              </a:rPr>
+              <a:t>21/05/2018</a:t>
+            </a:r>
+          </a:p>
+        </p:txBody>
+      </p:sp>
     </p:spTree>
     <p:extLst>
       <p:ext uri="{BB962C8B-B14F-4D97-AF65-F5344CB8AC3E}">
@@ -16702,28 +16933,6 @@
       </p:sp>
       <p:sp>
         <p:nvSpPr>
-          <p:cNvPr id="2" name="Footer Placeholder 1"/>
-          <p:cNvSpPr>
-            <a:spLocks noGrp="1"/>
-          </p:cNvSpPr>
-          <p:nvPr>
-            <p:ph type="ftr" sz="quarter" idx="14"/>
-          </p:nvPr>
-        </p:nvSpPr>
-        <p:spPr/>
-        <p:txBody>
-          <a:bodyPr/>
-          <a:lstStyle/>
-          <a:p>
-            <a:r>
-              <a:rPr lang="en-US"/>
-              <a:t>11/05/2017</a:t>
-            </a:r>
-          </a:p>
-        </p:txBody>
-      </p:sp>
-      <p:sp>
-        <p:nvSpPr>
           <p:cNvPr id="4" name="Slide Number Placeholder 3"/>
           <p:cNvSpPr>
             <a:spLocks noGrp="1"/>
@@ -17121,6 +17330,43 @@
           </a:prstGeom>
         </p:spPr>
       </p:pic>
+      <p:sp>
+        <p:nvSpPr>
+          <p:cNvPr id="12" name="Footer Placeholder 1">
+            <a:extLst>
+              <a:ext uri="{FF2B5EF4-FFF2-40B4-BE49-F238E27FC236}">
+                <a16:creationId xmlns:a16="http://schemas.microsoft.com/office/drawing/2014/main" id="{F48080EA-8B9C-40FC-908F-21D5B16B6744}"/>
+              </a:ext>
+            </a:extLst>
+          </p:cNvPr>
+          <p:cNvSpPr>
+            <a:spLocks noGrp="1"/>
+          </p:cNvSpPr>
+          <p:nvPr>
+            <p:ph type="ftr" sz="quarter" idx="14"/>
+          </p:nvPr>
+        </p:nvSpPr>
+        <p:spPr>
+          <a:xfrm>
+            <a:off x="3976638" y="6442059"/>
+            <a:ext cx="4114800" cy="365125"/>
+          </a:xfrm>
+        </p:spPr>
+        <p:txBody>
+          <a:bodyPr/>
+          <a:lstStyle/>
+          <a:p>
+            <a:r>
+              <a:rPr lang="en-US">
+                <a:solidFill>
+                  <a:schemeClr val="tx2"/>
+                </a:solidFill>
+              </a:rPr>
+              <a:t>21/05/2018</a:t>
+            </a:r>
+          </a:p>
+        </p:txBody>
+      </p:sp>
     </p:spTree>
     <p:extLst>
       <p:ext uri="{BB962C8B-B14F-4D97-AF65-F5344CB8AC3E}">
@@ -17420,28 +17666,6 @@
       </p:sp>
       <p:sp>
         <p:nvSpPr>
-          <p:cNvPr id="2" name="Footer Placeholder 1"/>
-          <p:cNvSpPr>
-            <a:spLocks noGrp="1"/>
-          </p:cNvSpPr>
-          <p:nvPr>
-            <p:ph type="ftr" sz="quarter" idx="14"/>
-          </p:nvPr>
-        </p:nvSpPr>
-        <p:spPr/>
-        <p:txBody>
-          <a:bodyPr/>
-          <a:lstStyle/>
-          <a:p>
-            <a:r>
-              <a:rPr lang="en-US"/>
-              <a:t>11/05/2017</a:t>
-            </a:r>
-          </a:p>
-        </p:txBody>
-      </p:sp>
-      <p:sp>
-        <p:nvSpPr>
           <p:cNvPr id="4" name="Slide Number Placeholder 3"/>
           <p:cNvSpPr>
             <a:spLocks noGrp="1"/>
@@ -18177,6 +18401,43 @@
               <a:latin typeface="+mj-lt"/>
               <a:ea typeface="Open Sans" pitchFamily="-65" charset="0"/>
             </a:endParaRPr>
+          </a:p>
+        </p:txBody>
+      </p:sp>
+      <p:sp>
+        <p:nvSpPr>
+          <p:cNvPr id="17" name="Footer Placeholder 1">
+            <a:extLst>
+              <a:ext uri="{FF2B5EF4-FFF2-40B4-BE49-F238E27FC236}">
+                <a16:creationId xmlns:a16="http://schemas.microsoft.com/office/drawing/2014/main" id="{F2C83CDC-301F-407D-9F24-CD3BF62AA71A}"/>
+              </a:ext>
+            </a:extLst>
+          </p:cNvPr>
+          <p:cNvSpPr>
+            <a:spLocks noGrp="1"/>
+          </p:cNvSpPr>
+          <p:nvPr>
+            <p:ph type="ftr" sz="quarter" idx="14"/>
+          </p:nvPr>
+        </p:nvSpPr>
+        <p:spPr>
+          <a:xfrm>
+            <a:off x="3976638" y="6442059"/>
+            <a:ext cx="4114800" cy="365125"/>
+          </a:xfrm>
+        </p:spPr>
+        <p:txBody>
+          <a:bodyPr/>
+          <a:lstStyle/>
+          <a:p>
+            <a:r>
+              <a:rPr lang="en-US">
+                <a:solidFill>
+                  <a:schemeClr val="tx2"/>
+                </a:solidFill>
+              </a:rPr>
+              <a:t>21/05/2018</a:t>
+            </a:r>
           </a:p>
         </p:txBody>
       </p:sp>
@@ -18600,28 +18861,6 @@
       </p:sp>
       <p:sp>
         <p:nvSpPr>
-          <p:cNvPr id="2" name="Footer Placeholder 1"/>
-          <p:cNvSpPr>
-            <a:spLocks noGrp="1"/>
-          </p:cNvSpPr>
-          <p:nvPr>
-            <p:ph type="ftr" sz="quarter" idx="14"/>
-          </p:nvPr>
-        </p:nvSpPr>
-        <p:spPr/>
-        <p:txBody>
-          <a:bodyPr/>
-          <a:lstStyle/>
-          <a:p>
-            <a:r>
-              <a:rPr lang="en-US"/>
-              <a:t>11/05/2017</a:t>
-            </a:r>
-          </a:p>
-        </p:txBody>
-      </p:sp>
-      <p:sp>
-        <p:nvSpPr>
           <p:cNvPr id="4" name="Slide Number Placeholder 3"/>
           <p:cNvSpPr>
             <a:spLocks noGrp="1"/>
@@ -19019,6 +19258,43 @@
           </a:prstGeom>
         </p:spPr>
       </p:pic>
+      <p:sp>
+        <p:nvSpPr>
+          <p:cNvPr id="12" name="Footer Placeholder 1">
+            <a:extLst>
+              <a:ext uri="{FF2B5EF4-FFF2-40B4-BE49-F238E27FC236}">
+                <a16:creationId xmlns:a16="http://schemas.microsoft.com/office/drawing/2014/main" id="{0ED192BE-7273-46CF-8C78-38918E495D0F}"/>
+              </a:ext>
+            </a:extLst>
+          </p:cNvPr>
+          <p:cNvSpPr>
+            <a:spLocks noGrp="1"/>
+          </p:cNvSpPr>
+          <p:nvPr>
+            <p:ph type="ftr" sz="quarter" idx="14"/>
+          </p:nvPr>
+        </p:nvSpPr>
+        <p:spPr>
+          <a:xfrm>
+            <a:off x="3976638" y="6442059"/>
+            <a:ext cx="4114800" cy="365125"/>
+          </a:xfrm>
+        </p:spPr>
+        <p:txBody>
+          <a:bodyPr/>
+          <a:lstStyle/>
+          <a:p>
+            <a:r>
+              <a:rPr lang="en-US">
+                <a:solidFill>
+                  <a:schemeClr val="tx2"/>
+                </a:solidFill>
+              </a:rPr>
+              <a:t>21/05/2018</a:t>
+            </a:r>
+          </a:p>
+        </p:txBody>
+      </p:sp>
     </p:spTree>
     <p:extLst>
       <p:ext uri="{BB962C8B-B14F-4D97-AF65-F5344CB8AC3E}">
@@ -19318,28 +19594,6 @@
       </p:sp>
       <p:sp>
         <p:nvSpPr>
-          <p:cNvPr id="2" name="Footer Placeholder 1"/>
-          <p:cNvSpPr>
-            <a:spLocks noGrp="1"/>
-          </p:cNvSpPr>
-          <p:nvPr>
-            <p:ph type="ftr" sz="quarter" idx="14"/>
-          </p:nvPr>
-        </p:nvSpPr>
-        <p:spPr/>
-        <p:txBody>
-          <a:bodyPr/>
-          <a:lstStyle/>
-          <a:p>
-            <a:r>
-              <a:rPr lang="en-US"/>
-              <a:t>11/05/2017</a:t>
-            </a:r>
-          </a:p>
-        </p:txBody>
-      </p:sp>
-      <p:sp>
-        <p:nvSpPr>
           <p:cNvPr id="4" name="Slide Number Placeholder 3"/>
           <p:cNvSpPr>
             <a:spLocks noGrp="1"/>
@@ -20075,6 +20329,43 @@
               <a:latin typeface="Times New Roman (Headings)"/>
               <a:ea typeface="Open Sans" pitchFamily="-65" charset="0"/>
             </a:endParaRPr>
+          </a:p>
+        </p:txBody>
+      </p:sp>
+      <p:sp>
+        <p:nvSpPr>
+          <p:cNvPr id="15" name="Footer Placeholder 1">
+            <a:extLst>
+              <a:ext uri="{FF2B5EF4-FFF2-40B4-BE49-F238E27FC236}">
+                <a16:creationId xmlns:a16="http://schemas.microsoft.com/office/drawing/2014/main" id="{8F6D751C-8923-49C1-86FB-E3F08BBC5102}"/>
+              </a:ext>
+            </a:extLst>
+          </p:cNvPr>
+          <p:cNvSpPr>
+            <a:spLocks noGrp="1"/>
+          </p:cNvSpPr>
+          <p:nvPr>
+            <p:ph type="ftr" sz="quarter" idx="14"/>
+          </p:nvPr>
+        </p:nvSpPr>
+        <p:spPr>
+          <a:xfrm>
+            <a:off x="3976638" y="6442059"/>
+            <a:ext cx="4114800" cy="365125"/>
+          </a:xfrm>
+        </p:spPr>
+        <p:txBody>
+          <a:bodyPr/>
+          <a:lstStyle/>
+          <a:p>
+            <a:r>
+              <a:rPr lang="en-US">
+                <a:solidFill>
+                  <a:schemeClr val="tx2"/>
+                </a:solidFill>
+              </a:rPr>
+              <a:t>21/05/2018</a:t>
+            </a:r>
           </a:p>
         </p:txBody>
       </p:sp>
@@ -20498,28 +20789,6 @@
       </p:sp>
       <p:sp>
         <p:nvSpPr>
-          <p:cNvPr id="2" name="Footer Placeholder 1"/>
-          <p:cNvSpPr>
-            <a:spLocks noGrp="1"/>
-          </p:cNvSpPr>
-          <p:nvPr>
-            <p:ph type="ftr" sz="quarter" idx="14"/>
-          </p:nvPr>
-        </p:nvSpPr>
-        <p:spPr/>
-        <p:txBody>
-          <a:bodyPr/>
-          <a:lstStyle/>
-          <a:p>
-            <a:r>
-              <a:rPr lang="en-US"/>
-              <a:t>11/05/2017</a:t>
-            </a:r>
-          </a:p>
-        </p:txBody>
-      </p:sp>
-      <p:sp>
-        <p:nvSpPr>
           <p:cNvPr id="4" name="Slide Number Placeholder 3"/>
           <p:cNvSpPr>
             <a:spLocks noGrp="1"/>
@@ -20917,6 +21186,43 @@
           </a:prstGeom>
         </p:spPr>
       </p:pic>
+      <p:sp>
+        <p:nvSpPr>
+          <p:cNvPr id="12" name="Footer Placeholder 1">
+            <a:extLst>
+              <a:ext uri="{FF2B5EF4-FFF2-40B4-BE49-F238E27FC236}">
+                <a16:creationId xmlns:a16="http://schemas.microsoft.com/office/drawing/2014/main" id="{3E5FAFE8-DAD1-4906-9ED7-0E2A447D2559}"/>
+              </a:ext>
+            </a:extLst>
+          </p:cNvPr>
+          <p:cNvSpPr>
+            <a:spLocks noGrp="1"/>
+          </p:cNvSpPr>
+          <p:nvPr>
+            <p:ph type="ftr" sz="quarter" idx="14"/>
+          </p:nvPr>
+        </p:nvSpPr>
+        <p:spPr>
+          <a:xfrm>
+            <a:off x="3976638" y="6442059"/>
+            <a:ext cx="4114800" cy="365125"/>
+          </a:xfrm>
+        </p:spPr>
+        <p:txBody>
+          <a:bodyPr/>
+          <a:lstStyle/>
+          <a:p>
+            <a:r>
+              <a:rPr lang="en-US">
+                <a:solidFill>
+                  <a:schemeClr val="tx2"/>
+                </a:solidFill>
+              </a:rPr>
+              <a:t>21/05/2018</a:t>
+            </a:r>
+          </a:p>
+        </p:txBody>
+      </p:sp>
     </p:spTree>
     <p:extLst>
       <p:ext uri="{BB962C8B-B14F-4D97-AF65-F5344CB8AC3E}">
@@ -21216,28 +21522,6 @@
       </p:sp>
       <p:sp>
         <p:nvSpPr>
-          <p:cNvPr id="2" name="Footer Placeholder 1"/>
-          <p:cNvSpPr>
-            <a:spLocks noGrp="1"/>
-          </p:cNvSpPr>
-          <p:nvPr>
-            <p:ph type="ftr" sz="quarter" idx="14"/>
-          </p:nvPr>
-        </p:nvSpPr>
-        <p:spPr/>
-        <p:txBody>
-          <a:bodyPr/>
-          <a:lstStyle/>
-          <a:p>
-            <a:r>
-              <a:rPr lang="en-US"/>
-              <a:t>11/05/2017</a:t>
-            </a:r>
-          </a:p>
-        </p:txBody>
-      </p:sp>
-      <p:sp>
-        <p:nvSpPr>
           <p:cNvPr id="4" name="Slide Number Placeholder 3"/>
           <p:cNvSpPr>
             <a:spLocks noGrp="1"/>
@@ -21947,6 +22231,43 @@
               <a:latin typeface="Times New Roman (Headings)"/>
               <a:ea typeface="Open Sans" pitchFamily="-65" charset="0"/>
             </a:endParaRPr>
+          </a:p>
+        </p:txBody>
+      </p:sp>
+      <p:sp>
+        <p:nvSpPr>
+          <p:cNvPr id="17" name="Footer Placeholder 1">
+            <a:extLst>
+              <a:ext uri="{FF2B5EF4-FFF2-40B4-BE49-F238E27FC236}">
+                <a16:creationId xmlns:a16="http://schemas.microsoft.com/office/drawing/2014/main" id="{5E12E883-F604-4B55-9190-408BAB865FC1}"/>
+              </a:ext>
+            </a:extLst>
+          </p:cNvPr>
+          <p:cNvSpPr>
+            <a:spLocks noGrp="1"/>
+          </p:cNvSpPr>
+          <p:nvPr>
+            <p:ph type="ftr" sz="quarter" idx="14"/>
+          </p:nvPr>
+        </p:nvSpPr>
+        <p:spPr>
+          <a:xfrm>
+            <a:off x="3976638" y="6442059"/>
+            <a:ext cx="4114800" cy="365125"/>
+          </a:xfrm>
+        </p:spPr>
+        <p:txBody>
+          <a:bodyPr/>
+          <a:lstStyle/>
+          <a:p>
+            <a:r>
+              <a:rPr lang="en-US">
+                <a:solidFill>
+                  <a:schemeClr val="tx2"/>
+                </a:solidFill>
+              </a:rPr>
+              <a:t>21/05/2018</a:t>
+            </a:r>
           </a:p>
         </p:txBody>
       </p:sp>
@@ -26455,28 +26776,6 @@
       </p:sp>
       <p:sp>
         <p:nvSpPr>
-          <p:cNvPr id="2" name="Footer Placeholder 1"/>
-          <p:cNvSpPr>
-            <a:spLocks noGrp="1"/>
-          </p:cNvSpPr>
-          <p:nvPr>
-            <p:ph type="ftr" sz="quarter" idx="14"/>
-          </p:nvPr>
-        </p:nvSpPr>
-        <p:spPr/>
-        <p:txBody>
-          <a:bodyPr/>
-          <a:lstStyle/>
-          <a:p>
-            <a:r>
-              <a:rPr lang="en-US"/>
-              <a:t>11/05/2017</a:t>
-            </a:r>
-          </a:p>
-        </p:txBody>
-      </p:sp>
-      <p:sp>
-        <p:nvSpPr>
           <p:cNvPr id="4" name="Slide Number Placeholder 3"/>
           <p:cNvSpPr>
             <a:spLocks noGrp="1"/>
@@ -26874,6 +27173,43 @@
           </a:prstGeom>
         </p:spPr>
       </p:pic>
+      <p:sp>
+        <p:nvSpPr>
+          <p:cNvPr id="12" name="Footer Placeholder 1">
+            <a:extLst>
+              <a:ext uri="{FF2B5EF4-FFF2-40B4-BE49-F238E27FC236}">
+                <a16:creationId xmlns:a16="http://schemas.microsoft.com/office/drawing/2014/main" id="{4744C962-FCE7-4A3C-A63B-09807D25ED32}"/>
+              </a:ext>
+            </a:extLst>
+          </p:cNvPr>
+          <p:cNvSpPr>
+            <a:spLocks noGrp="1"/>
+          </p:cNvSpPr>
+          <p:nvPr>
+            <p:ph type="ftr" sz="quarter" idx="14"/>
+          </p:nvPr>
+        </p:nvSpPr>
+        <p:spPr>
+          <a:xfrm>
+            <a:off x="3976638" y="6442059"/>
+            <a:ext cx="4114800" cy="365125"/>
+          </a:xfrm>
+        </p:spPr>
+        <p:txBody>
+          <a:bodyPr/>
+          <a:lstStyle/>
+          <a:p>
+            <a:r>
+              <a:rPr lang="en-US">
+                <a:solidFill>
+                  <a:schemeClr val="tx2"/>
+                </a:solidFill>
+              </a:rPr>
+              <a:t>21/05/2018</a:t>
+            </a:r>
+          </a:p>
+        </p:txBody>
+      </p:sp>
     </p:spTree>
     <p:extLst>
       <p:ext uri="{BB962C8B-B14F-4D97-AF65-F5344CB8AC3E}">
@@ -27173,28 +27509,6 @@
       </p:sp>
       <p:sp>
         <p:nvSpPr>
-          <p:cNvPr id="2" name="Footer Placeholder 1"/>
-          <p:cNvSpPr>
-            <a:spLocks noGrp="1"/>
-          </p:cNvSpPr>
-          <p:nvPr>
-            <p:ph type="ftr" sz="quarter" idx="14"/>
-          </p:nvPr>
-        </p:nvSpPr>
-        <p:spPr/>
-        <p:txBody>
-          <a:bodyPr/>
-          <a:lstStyle/>
-          <a:p>
-            <a:r>
-              <a:rPr lang="en-US"/>
-              <a:t>11/05/2017</a:t>
-            </a:r>
-          </a:p>
-        </p:txBody>
-      </p:sp>
-      <p:sp>
-        <p:nvSpPr>
           <p:cNvPr id="4" name="Slide Number Placeholder 3"/>
           <p:cNvSpPr>
             <a:spLocks noGrp="1"/>
@@ -27934,6 +28248,43 @@
               <a:latin typeface="Times New Roman (Headings)"/>
               <a:ea typeface="Open Sans" pitchFamily="-65" charset="0"/>
             </a:endParaRPr>
+          </a:p>
+        </p:txBody>
+      </p:sp>
+      <p:sp>
+        <p:nvSpPr>
+          <p:cNvPr id="15" name="Footer Placeholder 1">
+            <a:extLst>
+              <a:ext uri="{FF2B5EF4-FFF2-40B4-BE49-F238E27FC236}">
+                <a16:creationId xmlns:a16="http://schemas.microsoft.com/office/drawing/2014/main" id="{166604E9-AC98-49D5-ABA8-BBDEB182B12B}"/>
+              </a:ext>
+            </a:extLst>
+          </p:cNvPr>
+          <p:cNvSpPr>
+            <a:spLocks noGrp="1"/>
+          </p:cNvSpPr>
+          <p:nvPr>
+            <p:ph type="ftr" sz="quarter" idx="14"/>
+          </p:nvPr>
+        </p:nvSpPr>
+        <p:spPr>
+          <a:xfrm>
+            <a:off x="3976638" y="6442059"/>
+            <a:ext cx="4114800" cy="365125"/>
+          </a:xfrm>
+        </p:spPr>
+        <p:txBody>
+          <a:bodyPr/>
+          <a:lstStyle/>
+          <a:p>
+            <a:r>
+              <a:rPr lang="en-US">
+                <a:solidFill>
+                  <a:schemeClr val="tx2"/>
+                </a:solidFill>
+              </a:rPr>
+              <a:t>21/05/2018</a:t>
+            </a:r>
           </a:p>
         </p:txBody>
       </p:sp>
@@ -28429,28 +28780,6 @@
       </p:sp>
       <p:sp>
         <p:nvSpPr>
-          <p:cNvPr id="2" name="Footer Placeholder 1"/>
-          <p:cNvSpPr>
-            <a:spLocks noGrp="1"/>
-          </p:cNvSpPr>
-          <p:nvPr>
-            <p:ph type="ftr" sz="quarter" idx="14"/>
-          </p:nvPr>
-        </p:nvSpPr>
-        <p:spPr/>
-        <p:txBody>
-          <a:bodyPr/>
-          <a:lstStyle/>
-          <a:p>
-            <a:r>
-              <a:rPr lang="en-US"/>
-              <a:t>11/05/2017</a:t>
-            </a:r>
-          </a:p>
-        </p:txBody>
-      </p:sp>
-      <p:sp>
-        <p:nvSpPr>
           <p:cNvPr id="4" name="Slide Number Placeholder 3"/>
           <p:cNvSpPr>
             <a:spLocks noGrp="1"/>
@@ -28848,6 +29177,43 @@
           </a:prstGeom>
         </p:spPr>
       </p:pic>
+      <p:sp>
+        <p:nvSpPr>
+          <p:cNvPr id="12" name="Footer Placeholder 1">
+            <a:extLst>
+              <a:ext uri="{FF2B5EF4-FFF2-40B4-BE49-F238E27FC236}">
+                <a16:creationId xmlns:a16="http://schemas.microsoft.com/office/drawing/2014/main" id="{BE4E1299-C4D5-4839-BC16-B5F7C3810920}"/>
+              </a:ext>
+            </a:extLst>
+          </p:cNvPr>
+          <p:cNvSpPr>
+            <a:spLocks noGrp="1"/>
+          </p:cNvSpPr>
+          <p:nvPr>
+            <p:ph type="ftr" sz="quarter" idx="14"/>
+          </p:nvPr>
+        </p:nvSpPr>
+        <p:spPr>
+          <a:xfrm>
+            <a:off x="3976638" y="6442059"/>
+            <a:ext cx="4114800" cy="365125"/>
+          </a:xfrm>
+        </p:spPr>
+        <p:txBody>
+          <a:bodyPr/>
+          <a:lstStyle/>
+          <a:p>
+            <a:r>
+              <a:rPr lang="en-US">
+                <a:solidFill>
+                  <a:schemeClr val="tx2"/>
+                </a:solidFill>
+              </a:rPr>
+              <a:t>21/05/2018</a:t>
+            </a:r>
+          </a:p>
+        </p:txBody>
+      </p:sp>
     </p:spTree>
     <p:extLst>
       <p:ext uri="{BB962C8B-B14F-4D97-AF65-F5344CB8AC3E}">
@@ -29147,28 +29513,6 @@
       </p:sp>
       <p:sp>
         <p:nvSpPr>
-          <p:cNvPr id="2" name="Footer Placeholder 1"/>
-          <p:cNvSpPr>
-            <a:spLocks noGrp="1"/>
-          </p:cNvSpPr>
-          <p:nvPr>
-            <p:ph type="ftr" sz="quarter" idx="14"/>
-          </p:nvPr>
-        </p:nvSpPr>
-        <p:spPr/>
-        <p:txBody>
-          <a:bodyPr/>
-          <a:lstStyle/>
-          <a:p>
-            <a:r>
-              <a:rPr lang="en-US"/>
-              <a:t>11/05/2017</a:t>
-            </a:r>
-          </a:p>
-        </p:txBody>
-      </p:sp>
-      <p:sp>
-        <p:nvSpPr>
           <p:cNvPr id="4" name="Slide Number Placeholder 3"/>
           <p:cNvSpPr>
             <a:spLocks noGrp="1"/>
@@ -29958,6 +30302,43 @@
               <a:latin typeface="Times New Roman (Headings)"/>
               <a:ea typeface="Open Sans" pitchFamily="-65" charset="0"/>
             </a:endParaRPr>
+          </a:p>
+        </p:txBody>
+      </p:sp>
+      <p:sp>
+        <p:nvSpPr>
+          <p:cNvPr id="17" name="Footer Placeholder 1">
+            <a:extLst>
+              <a:ext uri="{FF2B5EF4-FFF2-40B4-BE49-F238E27FC236}">
+                <a16:creationId xmlns:a16="http://schemas.microsoft.com/office/drawing/2014/main" id="{04D27B1E-B9D9-4DDA-B97E-4A214DC33EE1}"/>
+              </a:ext>
+            </a:extLst>
+          </p:cNvPr>
+          <p:cNvSpPr>
+            <a:spLocks noGrp="1"/>
+          </p:cNvSpPr>
+          <p:nvPr>
+            <p:ph type="ftr" sz="quarter" idx="14"/>
+          </p:nvPr>
+        </p:nvSpPr>
+        <p:spPr>
+          <a:xfrm>
+            <a:off x="3976638" y="6442059"/>
+            <a:ext cx="4114800" cy="365125"/>
+          </a:xfrm>
+        </p:spPr>
+        <p:txBody>
+          <a:bodyPr/>
+          <a:lstStyle/>
+          <a:p>
+            <a:r>
+              <a:rPr lang="en-US">
+                <a:solidFill>
+                  <a:schemeClr val="tx2"/>
+                </a:solidFill>
+              </a:rPr>
+              <a:t>21/05/2018</a:t>
+            </a:r>
           </a:p>
         </p:txBody>
       </p:sp>
@@ -30408,28 +30789,6 @@
       </p:sp>
       <p:sp>
         <p:nvSpPr>
-          <p:cNvPr id="2" name="Footer Placeholder 1"/>
-          <p:cNvSpPr>
-            <a:spLocks noGrp="1"/>
-          </p:cNvSpPr>
-          <p:nvPr>
-            <p:ph type="ftr" sz="quarter" idx="14"/>
-          </p:nvPr>
-        </p:nvSpPr>
-        <p:spPr/>
-        <p:txBody>
-          <a:bodyPr/>
-          <a:lstStyle/>
-          <a:p>
-            <a:r>
-              <a:rPr lang="en-US"/>
-              <a:t>11/05/2017</a:t>
-            </a:r>
-          </a:p>
-        </p:txBody>
-      </p:sp>
-      <p:sp>
-        <p:nvSpPr>
           <p:cNvPr id="4" name="Slide Number Placeholder 3"/>
           <p:cNvSpPr>
             <a:spLocks noGrp="1"/>
@@ -30827,6 +31186,43 @@
           </a:prstGeom>
         </p:spPr>
       </p:pic>
+      <p:sp>
+        <p:nvSpPr>
+          <p:cNvPr id="12" name="Footer Placeholder 1">
+            <a:extLst>
+              <a:ext uri="{FF2B5EF4-FFF2-40B4-BE49-F238E27FC236}">
+                <a16:creationId xmlns:a16="http://schemas.microsoft.com/office/drawing/2014/main" id="{F7DFB1C1-809F-4EED-95AD-B74AF5B08C69}"/>
+              </a:ext>
+            </a:extLst>
+          </p:cNvPr>
+          <p:cNvSpPr>
+            <a:spLocks noGrp="1"/>
+          </p:cNvSpPr>
+          <p:nvPr>
+            <p:ph type="ftr" sz="quarter" idx="14"/>
+          </p:nvPr>
+        </p:nvSpPr>
+        <p:spPr>
+          <a:xfrm>
+            <a:off x="3976638" y="6442059"/>
+            <a:ext cx="4114800" cy="365125"/>
+          </a:xfrm>
+        </p:spPr>
+        <p:txBody>
+          <a:bodyPr/>
+          <a:lstStyle/>
+          <a:p>
+            <a:r>
+              <a:rPr lang="en-US">
+                <a:solidFill>
+                  <a:schemeClr val="tx2"/>
+                </a:solidFill>
+              </a:rPr>
+              <a:t>21/05/2018</a:t>
+            </a:r>
+          </a:p>
+        </p:txBody>
+      </p:sp>
     </p:spTree>
     <p:extLst>
       <p:ext uri="{BB962C8B-B14F-4D97-AF65-F5344CB8AC3E}">
@@ -31126,28 +31522,6 @@
       </p:sp>
       <p:sp>
         <p:nvSpPr>
-          <p:cNvPr id="2" name="Footer Placeholder 1"/>
-          <p:cNvSpPr>
-            <a:spLocks noGrp="1"/>
-          </p:cNvSpPr>
-          <p:nvPr>
-            <p:ph type="ftr" sz="quarter" idx="14"/>
-          </p:nvPr>
-        </p:nvSpPr>
-        <p:spPr/>
-        <p:txBody>
-          <a:bodyPr/>
-          <a:lstStyle/>
-          <a:p>
-            <a:r>
-              <a:rPr lang="en-US"/>
-              <a:t>11/05/2017</a:t>
-            </a:r>
-          </a:p>
-        </p:txBody>
-      </p:sp>
-      <p:sp>
-        <p:nvSpPr>
           <p:cNvPr id="4" name="Slide Number Placeholder 3"/>
           <p:cNvSpPr>
             <a:spLocks noGrp="1"/>
@@ -31892,6 +32266,43 @@
               <a:latin typeface="Times New Roman (Headings)"/>
               <a:ea typeface="Open Sans" pitchFamily="-65" charset="0"/>
             </a:endParaRPr>
+          </a:p>
+        </p:txBody>
+      </p:sp>
+      <p:sp>
+        <p:nvSpPr>
+          <p:cNvPr id="15" name="Footer Placeholder 1">
+            <a:extLst>
+              <a:ext uri="{FF2B5EF4-FFF2-40B4-BE49-F238E27FC236}">
+                <a16:creationId xmlns:a16="http://schemas.microsoft.com/office/drawing/2014/main" id="{2FDD19C8-A063-4261-B6D6-23985ADEECF1}"/>
+              </a:ext>
+            </a:extLst>
+          </p:cNvPr>
+          <p:cNvSpPr>
+            <a:spLocks noGrp="1"/>
+          </p:cNvSpPr>
+          <p:nvPr>
+            <p:ph type="ftr" sz="quarter" idx="14"/>
+          </p:nvPr>
+        </p:nvSpPr>
+        <p:spPr>
+          <a:xfrm>
+            <a:off x="3976638" y="6442059"/>
+            <a:ext cx="4114800" cy="365125"/>
+          </a:xfrm>
+        </p:spPr>
+        <p:txBody>
+          <a:bodyPr/>
+          <a:lstStyle/>
+          <a:p>
+            <a:r>
+              <a:rPr lang="en-US">
+                <a:solidFill>
+                  <a:schemeClr val="tx2"/>
+                </a:solidFill>
+              </a:rPr>
+              <a:t>21/05/2018</a:t>
+            </a:r>
           </a:p>
         </p:txBody>
       </p:sp>
@@ -32315,28 +32726,6 @@
       </p:sp>
       <p:sp>
         <p:nvSpPr>
-          <p:cNvPr id="2" name="Footer Placeholder 1"/>
-          <p:cNvSpPr>
-            <a:spLocks noGrp="1"/>
-          </p:cNvSpPr>
-          <p:nvPr>
-            <p:ph type="ftr" sz="quarter" idx="14"/>
-          </p:nvPr>
-        </p:nvSpPr>
-        <p:spPr/>
-        <p:txBody>
-          <a:bodyPr/>
-          <a:lstStyle/>
-          <a:p>
-            <a:r>
-              <a:rPr lang="en-US"/>
-              <a:t>11/05/2017</a:t>
-            </a:r>
-          </a:p>
-        </p:txBody>
-      </p:sp>
-      <p:sp>
-        <p:nvSpPr>
           <p:cNvPr id="4" name="Slide Number Placeholder 3"/>
           <p:cNvSpPr>
             <a:spLocks noGrp="1"/>
@@ -32615,6 +33004,43 @@
           </a:prstGeom>
         </p:spPr>
       </p:pic>
+      <p:sp>
+        <p:nvSpPr>
+          <p:cNvPr id="11" name="Footer Placeholder 1">
+            <a:extLst>
+              <a:ext uri="{FF2B5EF4-FFF2-40B4-BE49-F238E27FC236}">
+                <a16:creationId xmlns:a16="http://schemas.microsoft.com/office/drawing/2014/main" id="{8F7DD122-1046-4E14-BCEC-0FC20803531C}"/>
+              </a:ext>
+            </a:extLst>
+          </p:cNvPr>
+          <p:cNvSpPr>
+            <a:spLocks noGrp="1"/>
+          </p:cNvSpPr>
+          <p:nvPr>
+            <p:ph type="ftr" sz="quarter" idx="14"/>
+          </p:nvPr>
+        </p:nvSpPr>
+        <p:spPr>
+          <a:xfrm>
+            <a:off x="3976638" y="6442059"/>
+            <a:ext cx="4114800" cy="365125"/>
+          </a:xfrm>
+        </p:spPr>
+        <p:txBody>
+          <a:bodyPr/>
+          <a:lstStyle/>
+          <a:p>
+            <a:r>
+              <a:rPr lang="en-US">
+                <a:solidFill>
+                  <a:schemeClr val="tx2"/>
+                </a:solidFill>
+              </a:rPr>
+              <a:t>21/05/2018</a:t>
+            </a:r>
+          </a:p>
+        </p:txBody>
+      </p:sp>
     </p:spTree>
     <p:extLst>
       <p:ext uri="{BB962C8B-B14F-4D97-AF65-F5344CB8AC3E}">
@@ -32990,28 +33416,6 @@
       </p:sp>
       <p:sp>
         <p:nvSpPr>
-          <p:cNvPr id="2" name="Footer Placeholder 1"/>
-          <p:cNvSpPr>
-            <a:spLocks noGrp="1"/>
-          </p:cNvSpPr>
-          <p:nvPr>
-            <p:ph type="ftr" sz="quarter" idx="14"/>
-          </p:nvPr>
-        </p:nvSpPr>
-        <p:spPr/>
-        <p:txBody>
-          <a:bodyPr/>
-          <a:lstStyle/>
-          <a:p>
-            <a:r>
-              <a:rPr lang="en-US"/>
-              <a:t>11/05/2017</a:t>
-            </a:r>
-          </a:p>
-        </p:txBody>
-      </p:sp>
-      <p:sp>
-        <p:nvSpPr>
           <p:cNvPr id="4" name="Slide Number Placeholder 3"/>
           <p:cNvSpPr>
             <a:spLocks noGrp="1"/>
@@ -33297,6 +33701,43 @@
           </a:prstGeom>
         </p:spPr>
       </p:pic>
+      <p:sp>
+        <p:nvSpPr>
+          <p:cNvPr id="11" name="Footer Placeholder 1">
+            <a:extLst>
+              <a:ext uri="{FF2B5EF4-FFF2-40B4-BE49-F238E27FC236}">
+                <a16:creationId xmlns:a16="http://schemas.microsoft.com/office/drawing/2014/main" id="{8ED14AA6-B42E-4E87-B506-015B4828694E}"/>
+              </a:ext>
+            </a:extLst>
+          </p:cNvPr>
+          <p:cNvSpPr>
+            <a:spLocks noGrp="1"/>
+          </p:cNvSpPr>
+          <p:nvPr>
+            <p:ph type="ftr" sz="quarter" idx="14"/>
+          </p:nvPr>
+        </p:nvSpPr>
+        <p:spPr>
+          <a:xfrm>
+            <a:off x="3976638" y="6442059"/>
+            <a:ext cx="4114800" cy="365125"/>
+          </a:xfrm>
+        </p:spPr>
+        <p:txBody>
+          <a:bodyPr/>
+          <a:lstStyle/>
+          <a:p>
+            <a:r>
+              <a:rPr lang="en-US">
+                <a:solidFill>
+                  <a:schemeClr val="tx2"/>
+                </a:solidFill>
+              </a:rPr>
+              <a:t>21/05/2018</a:t>
+            </a:r>
+          </a:p>
+        </p:txBody>
+      </p:sp>
     </p:spTree>
     <p:extLst>
       <p:ext uri="{BB962C8B-B14F-4D97-AF65-F5344CB8AC3E}">
@@ -33663,28 +34104,6 @@
       </p:sp>
       <p:sp>
         <p:nvSpPr>
-          <p:cNvPr id="2" name="Footer Placeholder 1"/>
-          <p:cNvSpPr>
-            <a:spLocks noGrp="1"/>
-          </p:cNvSpPr>
-          <p:nvPr>
-            <p:ph type="ftr" sz="quarter" idx="14"/>
-          </p:nvPr>
-        </p:nvSpPr>
-        <p:spPr/>
-        <p:txBody>
-          <a:bodyPr/>
-          <a:lstStyle/>
-          <a:p>
-            <a:r>
-              <a:rPr lang="en-US"/>
-              <a:t>11/05/2017</a:t>
-            </a:r>
-          </a:p>
-        </p:txBody>
-      </p:sp>
-      <p:sp>
-        <p:nvSpPr>
           <p:cNvPr id="4" name="Slide Number Placeholder 3"/>
           <p:cNvSpPr>
             <a:spLocks noGrp="1"/>
@@ -33765,6 +34184,43 @@
           </a:prstGeom>
         </p:spPr>
       </p:pic>
+      <p:sp>
+        <p:nvSpPr>
+          <p:cNvPr id="9" name="Footer Placeholder 1">
+            <a:extLst>
+              <a:ext uri="{FF2B5EF4-FFF2-40B4-BE49-F238E27FC236}">
+                <a16:creationId xmlns:a16="http://schemas.microsoft.com/office/drawing/2014/main" id="{08E5C1C3-3E1D-40BE-A3BF-47E5CEA18C9D}"/>
+              </a:ext>
+            </a:extLst>
+          </p:cNvPr>
+          <p:cNvSpPr>
+            <a:spLocks noGrp="1"/>
+          </p:cNvSpPr>
+          <p:nvPr>
+            <p:ph type="ftr" sz="quarter" idx="14"/>
+          </p:nvPr>
+        </p:nvSpPr>
+        <p:spPr>
+          <a:xfrm>
+            <a:off x="3976638" y="6442059"/>
+            <a:ext cx="4114800" cy="365125"/>
+          </a:xfrm>
+        </p:spPr>
+        <p:txBody>
+          <a:bodyPr/>
+          <a:lstStyle/>
+          <a:p>
+            <a:r>
+              <a:rPr lang="en-US">
+                <a:solidFill>
+                  <a:schemeClr val="tx2"/>
+                </a:solidFill>
+              </a:rPr>
+              <a:t>21/05/2018</a:t>
+            </a:r>
+          </a:p>
+        </p:txBody>
+      </p:sp>
     </p:spTree>
     <p:extLst>
       <p:ext uri="{BB962C8B-B14F-4D97-AF65-F5344CB8AC3E}">
@@ -33827,7 +34283,7 @@
                 <a:latin typeface="Montserrat"/>
                 <a:cs typeface="Montserrat"/>
               </a:rPr>
-              <a:t>SABSA FRAMEWORK</a:t>
+              <a:t>TOGAF SABSA INTEGRATION</a:t>
             </a:r>
             <a:endParaRPr lang="en-US"/>
           </a:p>
@@ -34051,28 +34507,6 @@
       </p:sp>
       <p:sp>
         <p:nvSpPr>
-          <p:cNvPr id="2" name="Footer Placeholder 1"/>
-          <p:cNvSpPr>
-            <a:spLocks noGrp="1"/>
-          </p:cNvSpPr>
-          <p:nvPr>
-            <p:ph type="ftr" sz="quarter" idx="14"/>
-          </p:nvPr>
-        </p:nvSpPr>
-        <p:spPr/>
-        <p:txBody>
-          <a:bodyPr/>
-          <a:lstStyle/>
-          <a:p>
-            <a:r>
-              <a:rPr lang="en-US"/>
-              <a:t>11/05/2017</a:t>
-            </a:r>
-          </a:p>
-        </p:txBody>
-      </p:sp>
-      <p:sp>
-        <p:nvSpPr>
           <p:cNvPr id="4" name="Slide Number Placeholder 3"/>
           <p:cNvSpPr>
             <a:spLocks noGrp="1"/>
@@ -34111,8 +34545,8 @@
         </p:nvSpPr>
         <p:spPr bwMode="auto">
           <a:xfrm>
-            <a:off x="471055" y="1547998"/>
-            <a:ext cx="11302840" cy="3262432"/>
+            <a:off x="507323" y="2786177"/>
+            <a:ext cx="11302840" cy="1477328"/>
           </a:xfrm>
           <a:prstGeom prst="rect">
             <a:avLst/>
@@ -34253,12 +34687,10 @@
             </a:lvl9pPr>
           </a:lstStyle>
           <a:p>
-            <a:pPr marL="285750" indent="-285750" algn="just">
+            <a:pPr algn="just">
               <a:spcAft>
                 <a:spcPts val="1200"/>
               </a:spcAft>
-              <a:buFont typeface="Wingdings" panose="05000000000000000000" pitchFamily="2" charset="2"/>
-              <a:buChar char="v"/>
             </a:pPr>
             <a:r>
               <a:rPr lang="vi-VN" altLang="en-US" sz="2400">
@@ -34268,53 +34700,18 @@
                 <a:latin typeface="+mj-lt"/>
                 <a:ea typeface="Open Sans" pitchFamily="-65" charset="0"/>
               </a:rPr>
-              <a:t>TOGAF (The Open Group Architecture Framework) được phát triển bởi hiệp hội công nghiệp The Open Group và được giới thiệu lần đầu vào năm 1995. Sau nhiều năm phát triển và sửa đổi, phiên bản mới nhất hiện nay của TOGAF là TOGAF 9.2 được phát hành vào ngày.</a:t>
-            </a:r>
-          </a:p>
-          <a:p>
-            <a:pPr marL="285750" indent="-285750" algn="just">
-              <a:spcAft>
-                <a:spcPts val="1200"/>
-              </a:spcAft>
-              <a:buFont typeface="Wingdings" panose="05000000000000000000" pitchFamily="2" charset="2"/>
-              <a:buChar char="v"/>
-            </a:pPr>
-            <a:r>
-              <a:rPr lang="vi-VN" altLang="en-US" sz="2400">
+              <a:t>Các mô hình Zachman và TOGAF là các framework chuẩn dành cho EA trong khi SABSA là framework chính cho ESA. Quan trọng hơn là mô hình SABSA mang lại hiệu quả cao nhất khi liên kết, tích hợp với các EAF mạnh mẽ khác. Và mô hình tích hợp hiệu quả nhất hiện nay là TOGAF – SABSA</a:t>
+            </a:r>
+            <a:r>
+              <a:rPr lang="en-US" altLang="en-US" sz="2400">
                 <a:solidFill>
                   <a:schemeClr val="tx2"/>
                 </a:solidFill>
                 <a:latin typeface="+mj-lt"/>
                 <a:ea typeface="Open Sans" pitchFamily="-65" charset="0"/>
               </a:rPr>
-              <a:t>TOGAF cung cấp một hướng tiếp cận toàn diện cho việc thiết kế, lên kế hoạch, triển khai và giám sát kiến trúc thông tin doanh nghiệp. </a:t>
-            </a:r>
-          </a:p>
-          <a:p>
-            <a:pPr marL="285750" indent="-285750" algn="just">
-              <a:spcAft>
-                <a:spcPts val="1200"/>
-              </a:spcAft>
-              <a:buFont typeface="Wingdings" panose="05000000000000000000" pitchFamily="2" charset="2"/>
-              <a:buChar char="v"/>
-            </a:pPr>
-            <a:r>
-              <a:rPr lang="vi-VN" altLang="en-US" sz="2400">
-                <a:solidFill>
-                  <a:schemeClr val="tx2"/>
-                </a:solidFill>
-                <a:latin typeface="+mj-lt"/>
-                <a:ea typeface="Open Sans" pitchFamily="-65" charset="0"/>
-              </a:rPr>
-              <a:t>TOGAF là một hướng tiếp cận cao cấp và toàn diện, bao gồm bốn cấp độ: Kinh doanh (Business), Ứng dụng (Application), Dữ liệu (Data) và Công nghệ (Technology).</a:t>
-            </a:r>
-            <a:endParaRPr lang="en-US" altLang="en-US" sz="2400">
-              <a:solidFill>
-                <a:schemeClr val="tx2"/>
-              </a:solidFill>
-              <a:latin typeface="+mj-lt"/>
-              <a:ea typeface="Open Sans" pitchFamily="-65" charset="0"/>
-            </a:endParaRPr>
+              <a:t>.</a:t>
+            </a:r>
           </a:p>
         </p:txBody>
       </p:sp>
@@ -34348,6 +34745,43 @@
           </a:prstGeom>
         </p:spPr>
       </p:pic>
+      <p:sp>
+        <p:nvSpPr>
+          <p:cNvPr id="11" name="Footer Placeholder 1">
+            <a:extLst>
+              <a:ext uri="{FF2B5EF4-FFF2-40B4-BE49-F238E27FC236}">
+                <a16:creationId xmlns:a16="http://schemas.microsoft.com/office/drawing/2014/main" id="{F5B917A6-B2A4-4A50-B92C-AE6EB69C92EE}"/>
+              </a:ext>
+            </a:extLst>
+          </p:cNvPr>
+          <p:cNvSpPr>
+            <a:spLocks noGrp="1"/>
+          </p:cNvSpPr>
+          <p:nvPr>
+            <p:ph type="ftr" sz="quarter" idx="14"/>
+          </p:nvPr>
+        </p:nvSpPr>
+        <p:spPr>
+          <a:xfrm>
+            <a:off x="3976638" y="6442059"/>
+            <a:ext cx="4114800" cy="365125"/>
+          </a:xfrm>
+        </p:spPr>
+        <p:txBody>
+          <a:bodyPr/>
+          <a:lstStyle/>
+          <a:p>
+            <a:r>
+              <a:rPr lang="en-US">
+                <a:solidFill>
+                  <a:schemeClr val="tx2"/>
+                </a:solidFill>
+              </a:rPr>
+              <a:t>21/05/2018</a:t>
+            </a:r>
+          </a:p>
+        </p:txBody>
+      </p:sp>
     </p:spTree>
     <p:extLst>
       <p:ext uri="{BB962C8B-B14F-4D97-AF65-F5344CB8AC3E}">
@@ -34717,28 +35151,6 @@
       </p:sp>
       <p:sp>
         <p:nvSpPr>
-          <p:cNvPr id="2" name="Footer Placeholder 1"/>
-          <p:cNvSpPr>
-            <a:spLocks noGrp="1"/>
-          </p:cNvSpPr>
-          <p:nvPr>
-            <p:ph type="ftr" sz="quarter" idx="14"/>
-          </p:nvPr>
-        </p:nvSpPr>
-        <p:spPr/>
-        <p:txBody>
-          <a:bodyPr/>
-          <a:lstStyle/>
-          <a:p>
-            <a:r>
-              <a:rPr lang="en-US"/>
-              <a:t>11/05/2017</a:t>
-            </a:r>
-          </a:p>
-        </p:txBody>
-      </p:sp>
-      <p:sp>
-        <p:nvSpPr>
           <p:cNvPr id="4" name="Slide Number Placeholder 3"/>
           <p:cNvSpPr>
             <a:spLocks noGrp="1"/>
@@ -34997,6 +35409,43 @@
               <a:latin typeface="+mj-lt"/>
               <a:ea typeface="Open Sans" pitchFamily="-65" charset="0"/>
             </a:endParaRPr>
+          </a:p>
+        </p:txBody>
+      </p:sp>
+      <p:sp>
+        <p:nvSpPr>
+          <p:cNvPr id="11" name="Footer Placeholder 1">
+            <a:extLst>
+              <a:ext uri="{FF2B5EF4-FFF2-40B4-BE49-F238E27FC236}">
+                <a16:creationId xmlns:a16="http://schemas.microsoft.com/office/drawing/2014/main" id="{6BA8142F-F004-437A-A9FD-52A05C60D573}"/>
+              </a:ext>
+            </a:extLst>
+          </p:cNvPr>
+          <p:cNvSpPr>
+            <a:spLocks noGrp="1"/>
+          </p:cNvSpPr>
+          <p:nvPr>
+            <p:ph type="ftr" sz="quarter" idx="14"/>
+          </p:nvPr>
+        </p:nvSpPr>
+        <p:spPr>
+          <a:xfrm>
+            <a:off x="3976638" y="6442059"/>
+            <a:ext cx="4114800" cy="365125"/>
+          </a:xfrm>
+        </p:spPr>
+        <p:txBody>
+          <a:bodyPr/>
+          <a:lstStyle/>
+          <a:p>
+            <a:r>
+              <a:rPr lang="en-US">
+                <a:solidFill>
+                  <a:schemeClr val="tx2"/>
+                </a:solidFill>
+              </a:rPr>
+              <a:t>21/05/2018</a:t>
+            </a:r>
           </a:p>
         </p:txBody>
       </p:sp>
@@ -35104,6 +35553,1065 @@
 </file>
 
 <file path=ppt/slides/slide40.xml><?xml version="1.0" encoding="utf-8"?>
+<p:sld xmlns:a="http://schemas.openxmlformats.org/drawingml/2006/main" xmlns:r="http://schemas.openxmlformats.org/officeDocument/2006/relationships" xmlns:p="http://schemas.openxmlformats.org/presentationml/2006/main">
+  <p:cSld>
+    <p:spTree>
+      <p:nvGrpSpPr>
+        <p:cNvPr id="1" name=""/>
+        <p:cNvGrpSpPr/>
+        <p:nvPr/>
+      </p:nvGrpSpPr>
+      <p:grpSpPr>
+        <a:xfrm>
+          <a:off x="0" y="0"/>
+          <a:ext cx="0" cy="0"/>
+          <a:chOff x="0" y="0"/>
+          <a:chExt cx="0" cy="0"/>
+        </a:xfrm>
+      </p:grpSpPr>
+      <p:sp>
+        <p:nvSpPr>
+          <p:cNvPr id="5" name="TextBox 4"/>
+          <p:cNvSpPr txBox="1"/>
+          <p:nvPr/>
+        </p:nvSpPr>
+        <p:spPr>
+          <a:xfrm>
+            <a:off x="2792076" y="145959"/>
+            <a:ext cx="6677893" cy="461665"/>
+          </a:xfrm>
+          <a:prstGeom prst="rect">
+            <a:avLst/>
+          </a:prstGeom>
+          <a:noFill/>
+        </p:spPr>
+        <p:txBody>
+          <a:bodyPr wrap="square" rtlCol="0">
+            <a:spAutoFit/>
+          </a:bodyPr>
+          <a:lstStyle/>
+          <a:p>
+            <a:pPr algn="ctr"/>
+            <a:r>
+              <a:rPr lang="en-US" sz="2400" b="1">
+                <a:solidFill>
+                  <a:schemeClr val="tx2"/>
+                </a:solidFill>
+                <a:latin typeface="Montserrat"/>
+                <a:cs typeface="Montserrat"/>
+              </a:rPr>
+              <a:t>TOGAF SABSA INTEGRATION</a:t>
+            </a:r>
+            <a:endParaRPr lang="en-US"/>
+          </a:p>
+        </p:txBody>
+      </p:sp>
+      <p:sp>
+        <p:nvSpPr>
+          <p:cNvPr id="7" name="Rectangle 6"/>
+          <p:cNvSpPr/>
+          <p:nvPr/>
+        </p:nvSpPr>
+        <p:spPr>
+          <a:xfrm>
+            <a:off x="5527845" y="692306"/>
+            <a:ext cx="1261797" cy="523178"/>
+          </a:xfrm>
+          <a:prstGeom prst="rect">
+            <a:avLst/>
+          </a:prstGeom>
+          <a:noFill/>
+          <a:ln w="6350" cmpd="sng">
+            <a:noFill/>
+          </a:ln>
+          <a:effectLst/>
+        </p:spPr>
+        <p:style>
+          <a:lnRef idx="1">
+            <a:schemeClr val="accent1"/>
+          </a:lnRef>
+          <a:fillRef idx="3">
+            <a:schemeClr val="accent1"/>
+          </a:fillRef>
+          <a:effectRef idx="2">
+            <a:schemeClr val="accent1"/>
+          </a:effectRef>
+          <a:fontRef idx="minor">
+            <a:schemeClr val="lt1"/>
+          </a:fontRef>
+        </p:style>
+        <p:txBody>
+          <a:bodyPr wrap="none" lIns="243797" tIns="121899" rIns="243797" bIns="121899" anchor="ctr">
+            <a:spAutoFit/>
+          </a:bodyPr>
+          <a:lstStyle/>
+          <a:p>
+            <a:pPr algn="ctr" defTabSz="1828434" fontAlgn="auto">
+              <a:spcBef>
+                <a:spcPts val="0"/>
+              </a:spcBef>
+              <a:spcAft>
+                <a:spcPts val="0"/>
+              </a:spcAft>
+              <a:tabLst>
+                <a:tab pos="338138" algn="l"/>
+              </a:tabLst>
+              <a:defRPr/>
+            </a:pPr>
+            <a:r>
+              <a:rPr lang="en-US">
+                <a:solidFill>
+                  <a:schemeClr val="accent3">
+                    <a:lumMod val="75000"/>
+                  </a:schemeClr>
+                </a:solidFill>
+                <a:latin typeface="Open Sans"/>
+                <a:cs typeface="Montserrat Light"/>
+              </a:rPr>
+              <a:t>MODEL</a:t>
+            </a:r>
+          </a:p>
+        </p:txBody>
+      </p:sp>
+      <p:sp>
+        <p:nvSpPr>
+          <p:cNvPr id="8" name="Slide Number Placeholder 10"/>
+          <p:cNvSpPr txBox="1">
+            <a:spLocks/>
+          </p:cNvSpPr>
+          <p:nvPr/>
+        </p:nvSpPr>
+        <p:spPr>
+          <a:xfrm>
+            <a:off x="11552220" y="182562"/>
+            <a:ext cx="435321" cy="365125"/>
+          </a:xfrm>
+          <a:prstGeom prst="rect">
+            <a:avLst/>
+          </a:prstGeom>
+          <a:solidFill>
+            <a:schemeClr val="accent3">
+              <a:lumMod val="50000"/>
+            </a:schemeClr>
+          </a:solidFill>
+        </p:spPr>
+        <p:txBody>
+          <a:bodyPr/>
+          <a:lstStyle>
+            <a:defPPr>
+              <a:defRPr lang="en-US"/>
+            </a:defPPr>
+            <a:lvl1pPr marL="0" algn="l" defTabSz="914400" rtl="0" eaLnBrk="1" latinLnBrk="0" hangingPunct="1">
+              <a:defRPr sz="1800" kern="1200">
+                <a:solidFill>
+                  <a:schemeClr val="tx1"/>
+                </a:solidFill>
+                <a:latin typeface="+mn-lt"/>
+                <a:ea typeface="+mn-ea"/>
+                <a:cs typeface="+mn-cs"/>
+              </a:defRPr>
+            </a:lvl1pPr>
+            <a:lvl2pPr marL="457200" algn="l" defTabSz="914400" rtl="0" eaLnBrk="1" latinLnBrk="0" hangingPunct="1">
+              <a:defRPr sz="1800" kern="1200">
+                <a:solidFill>
+                  <a:schemeClr val="tx1"/>
+                </a:solidFill>
+                <a:latin typeface="+mn-lt"/>
+                <a:ea typeface="+mn-ea"/>
+                <a:cs typeface="+mn-cs"/>
+              </a:defRPr>
+            </a:lvl2pPr>
+            <a:lvl3pPr marL="914400" algn="l" defTabSz="914400" rtl="0" eaLnBrk="1" latinLnBrk="0" hangingPunct="1">
+              <a:defRPr sz="1800" kern="1200">
+                <a:solidFill>
+                  <a:schemeClr val="tx1"/>
+                </a:solidFill>
+                <a:latin typeface="+mn-lt"/>
+                <a:ea typeface="+mn-ea"/>
+                <a:cs typeface="+mn-cs"/>
+              </a:defRPr>
+            </a:lvl3pPr>
+            <a:lvl4pPr marL="1371600" algn="l" defTabSz="914400" rtl="0" eaLnBrk="1" latinLnBrk="0" hangingPunct="1">
+              <a:defRPr sz="1800" kern="1200">
+                <a:solidFill>
+                  <a:schemeClr val="tx1"/>
+                </a:solidFill>
+                <a:latin typeface="+mn-lt"/>
+                <a:ea typeface="+mn-ea"/>
+                <a:cs typeface="+mn-cs"/>
+              </a:defRPr>
+            </a:lvl4pPr>
+            <a:lvl5pPr marL="1828800" algn="l" defTabSz="914400" rtl="0" eaLnBrk="1" latinLnBrk="0" hangingPunct="1">
+              <a:defRPr sz="1800" kern="1200">
+                <a:solidFill>
+                  <a:schemeClr val="tx1"/>
+                </a:solidFill>
+                <a:latin typeface="+mn-lt"/>
+                <a:ea typeface="+mn-ea"/>
+                <a:cs typeface="+mn-cs"/>
+              </a:defRPr>
+            </a:lvl5pPr>
+            <a:lvl6pPr marL="2286000" algn="l" defTabSz="914400" rtl="0" eaLnBrk="1" latinLnBrk="0" hangingPunct="1">
+              <a:defRPr sz="1800" kern="1200">
+                <a:solidFill>
+                  <a:schemeClr val="tx1"/>
+                </a:solidFill>
+                <a:latin typeface="+mn-lt"/>
+                <a:ea typeface="+mn-ea"/>
+                <a:cs typeface="+mn-cs"/>
+              </a:defRPr>
+            </a:lvl6pPr>
+            <a:lvl7pPr marL="2743200" algn="l" defTabSz="914400" rtl="0" eaLnBrk="1" latinLnBrk="0" hangingPunct="1">
+              <a:defRPr sz="1800" kern="1200">
+                <a:solidFill>
+                  <a:schemeClr val="tx1"/>
+                </a:solidFill>
+                <a:latin typeface="+mn-lt"/>
+                <a:ea typeface="+mn-ea"/>
+                <a:cs typeface="+mn-cs"/>
+              </a:defRPr>
+            </a:lvl7pPr>
+            <a:lvl8pPr marL="3200400" algn="l" defTabSz="914400" rtl="0" eaLnBrk="1" latinLnBrk="0" hangingPunct="1">
+              <a:defRPr sz="1800" kern="1200">
+                <a:solidFill>
+                  <a:schemeClr val="tx1"/>
+                </a:solidFill>
+                <a:latin typeface="+mn-lt"/>
+                <a:ea typeface="+mn-ea"/>
+                <a:cs typeface="+mn-cs"/>
+              </a:defRPr>
+            </a:lvl8pPr>
+            <a:lvl9pPr marL="3657600" algn="l" defTabSz="914400" rtl="0" eaLnBrk="1" latinLnBrk="0" hangingPunct="1">
+              <a:defRPr sz="1800" kern="1200">
+                <a:solidFill>
+                  <a:schemeClr val="tx1"/>
+                </a:solidFill>
+                <a:latin typeface="+mn-lt"/>
+                <a:ea typeface="+mn-ea"/>
+                <a:cs typeface="+mn-cs"/>
+              </a:defRPr>
+            </a:lvl9pPr>
+          </a:lstStyle>
+          <a:p>
+            <a:pPr algn="r"/>
+            <a:fld id="{124D1D6F-9FD0-422F-91B5-245747895371}" type="slidenum">
+              <a:rPr lang="en-US" sz="1200" smtClean="0">
+                <a:solidFill>
+                  <a:schemeClr val="bg1"/>
+                </a:solidFill>
+                <a:latin typeface="Montserrat" panose="00000500000000000000" pitchFamily="50" charset="0"/>
+              </a:rPr>
+              <a:pPr algn="r"/>
+              <a:t>40</a:t>
+            </a:fld>
+            <a:endParaRPr lang="en-US" sz="1200">
+              <a:solidFill>
+                <a:schemeClr val="bg1"/>
+              </a:solidFill>
+              <a:latin typeface="Montserrat" panose="00000500000000000000" pitchFamily="50" charset="0"/>
+            </a:endParaRPr>
+          </a:p>
+        </p:txBody>
+      </p:sp>
+      <p:sp>
+        <p:nvSpPr>
+          <p:cNvPr id="2" name="Footer Placeholder 1"/>
+          <p:cNvSpPr>
+            <a:spLocks noGrp="1"/>
+          </p:cNvSpPr>
+          <p:nvPr>
+            <p:ph type="ftr" sz="quarter" idx="14"/>
+          </p:nvPr>
+        </p:nvSpPr>
+        <p:spPr/>
+        <p:txBody>
+          <a:bodyPr/>
+          <a:lstStyle/>
+          <a:p>
+            <a:r>
+              <a:rPr lang="en-US"/>
+              <a:t>11/05/2017</a:t>
+            </a:r>
+          </a:p>
+        </p:txBody>
+      </p:sp>
+      <p:sp>
+        <p:nvSpPr>
+          <p:cNvPr id="4" name="Slide Number Placeholder 3"/>
+          <p:cNvSpPr>
+            <a:spLocks noGrp="1"/>
+          </p:cNvSpPr>
+          <p:nvPr>
+            <p:ph type="sldNum" sz="quarter" idx="15"/>
+          </p:nvPr>
+        </p:nvSpPr>
+        <p:spPr/>
+        <p:txBody>
+          <a:bodyPr/>
+          <a:lstStyle/>
+          <a:p>
+            <a:fld id="{124D1D6F-9FD0-422F-91B5-245747895371}" type="slidenum">
+              <a:rPr lang="en-US" smtClean="0"/>
+              <a:pPr/>
+              <a:t>40</a:t>
+            </a:fld>
+            <a:endParaRPr lang="en-US"/>
+          </a:p>
+        </p:txBody>
+      </p:sp>
+      <p:pic>
+        <p:nvPicPr>
+          <p:cNvPr id="10" name="Hình ảnh 7">
+            <a:extLst>
+              <a:ext uri="{FF2B5EF4-FFF2-40B4-BE49-F238E27FC236}">
+                <a16:creationId xmlns:a16="http://schemas.microsoft.com/office/drawing/2014/main" id="{E278931E-6E38-4B32-9C9C-083BE0737DC7}"/>
+              </a:ext>
+            </a:extLst>
+          </p:cNvPr>
+          <p:cNvPicPr>
+            <a:picLocks noChangeAspect="1"/>
+          </p:cNvPicPr>
+          <p:nvPr/>
+        </p:nvPicPr>
+        <p:blipFill>
+          <a:blip r:embed="rId2"/>
+          <a:stretch>
+            <a:fillRect/>
+          </a:stretch>
+        </p:blipFill>
+        <p:spPr>
+          <a:xfrm>
+            <a:off x="450273" y="286306"/>
+            <a:ext cx="3124200" cy="507691"/>
+          </a:xfrm>
+          <a:prstGeom prst="rect">
+            <a:avLst/>
+          </a:prstGeom>
+        </p:spPr>
+      </p:pic>
+      <p:pic>
+        <p:nvPicPr>
+          <p:cNvPr id="3" name="Picture 2">
+            <a:extLst>
+              <a:ext uri="{FF2B5EF4-FFF2-40B4-BE49-F238E27FC236}">
+                <a16:creationId xmlns:a16="http://schemas.microsoft.com/office/drawing/2014/main" id="{8604D11A-8950-43E7-9EC1-F88D92C14975}"/>
+              </a:ext>
+            </a:extLst>
+          </p:cNvPr>
+          <p:cNvPicPr>
+            <a:picLocks noChangeAspect="1"/>
+          </p:cNvPicPr>
+          <p:nvPr/>
+        </p:nvPicPr>
+        <p:blipFill>
+          <a:blip r:embed="rId3"/>
+          <a:stretch>
+            <a:fillRect/>
+          </a:stretch>
+        </p:blipFill>
+        <p:spPr>
+          <a:xfrm>
+            <a:off x="858982" y="1215484"/>
+            <a:ext cx="10363200" cy="5642516"/>
+          </a:xfrm>
+          <a:prstGeom prst="rect">
+            <a:avLst/>
+          </a:prstGeom>
+        </p:spPr>
+      </p:pic>
+    </p:spTree>
+    <p:extLst>
+      <p:ext uri="{BB962C8B-B14F-4D97-AF65-F5344CB8AC3E}">
+        <p14:creationId xmlns:p14="http://schemas.microsoft.com/office/powerpoint/2010/main" val="3705810318"/>
+      </p:ext>
+    </p:extLst>
+  </p:cSld>
+  <p:clrMapOvr>
+    <a:masterClrMapping/>
+  </p:clrMapOvr>
+  <p:transition/>
+</p:sld>
+</file>
+
+<file path=ppt/slides/slide41.xml><?xml version="1.0" encoding="utf-8"?>
+<p:sld xmlns:a="http://schemas.openxmlformats.org/drawingml/2006/main" xmlns:r="http://schemas.openxmlformats.org/officeDocument/2006/relationships" xmlns:p="http://schemas.openxmlformats.org/presentationml/2006/main">
+  <p:cSld>
+    <p:spTree>
+      <p:nvGrpSpPr>
+        <p:cNvPr id="1" name=""/>
+        <p:cNvGrpSpPr/>
+        <p:nvPr/>
+      </p:nvGrpSpPr>
+      <p:grpSpPr>
+        <a:xfrm>
+          <a:off x="0" y="0"/>
+          <a:ext cx="0" cy="0"/>
+          <a:chOff x="0" y="0"/>
+          <a:chExt cx="0" cy="0"/>
+        </a:xfrm>
+      </p:grpSpPr>
+      <p:sp>
+        <p:nvSpPr>
+          <p:cNvPr id="5" name="TextBox 4"/>
+          <p:cNvSpPr txBox="1"/>
+          <p:nvPr/>
+        </p:nvSpPr>
+        <p:spPr>
+          <a:xfrm>
+            <a:off x="2783528" y="547687"/>
+            <a:ext cx="6677893" cy="461665"/>
+          </a:xfrm>
+          <a:prstGeom prst="rect">
+            <a:avLst/>
+          </a:prstGeom>
+          <a:noFill/>
+        </p:spPr>
+        <p:txBody>
+          <a:bodyPr wrap="square" rtlCol="0">
+            <a:spAutoFit/>
+          </a:bodyPr>
+          <a:lstStyle/>
+          <a:p>
+            <a:pPr algn="ctr"/>
+            <a:r>
+              <a:rPr lang="en-US" sz="2400" b="1">
+                <a:solidFill>
+                  <a:schemeClr val="tx2"/>
+                </a:solidFill>
+                <a:latin typeface="Montserrat"/>
+              </a:rPr>
+              <a:t>REFERENCES</a:t>
+            </a:r>
+            <a:endParaRPr lang="en-US"/>
+          </a:p>
+        </p:txBody>
+      </p:sp>
+      <p:sp>
+        <p:nvSpPr>
+          <p:cNvPr id="8" name="Slide Number Placeholder 10"/>
+          <p:cNvSpPr txBox="1">
+            <a:spLocks/>
+          </p:cNvSpPr>
+          <p:nvPr/>
+        </p:nvSpPr>
+        <p:spPr>
+          <a:xfrm>
+            <a:off x="11552220" y="182562"/>
+            <a:ext cx="435321" cy="365125"/>
+          </a:xfrm>
+          <a:prstGeom prst="rect">
+            <a:avLst/>
+          </a:prstGeom>
+          <a:solidFill>
+            <a:schemeClr val="accent3">
+              <a:lumMod val="50000"/>
+            </a:schemeClr>
+          </a:solidFill>
+        </p:spPr>
+        <p:txBody>
+          <a:bodyPr/>
+          <a:lstStyle>
+            <a:defPPr>
+              <a:defRPr lang="en-US"/>
+            </a:defPPr>
+            <a:lvl1pPr marL="0" algn="l" defTabSz="914400" rtl="0" eaLnBrk="1" latinLnBrk="0" hangingPunct="1">
+              <a:defRPr sz="1800" kern="1200">
+                <a:solidFill>
+                  <a:schemeClr val="tx1"/>
+                </a:solidFill>
+                <a:latin typeface="+mn-lt"/>
+                <a:ea typeface="+mn-ea"/>
+                <a:cs typeface="+mn-cs"/>
+              </a:defRPr>
+            </a:lvl1pPr>
+            <a:lvl2pPr marL="457200" algn="l" defTabSz="914400" rtl="0" eaLnBrk="1" latinLnBrk="0" hangingPunct="1">
+              <a:defRPr sz="1800" kern="1200">
+                <a:solidFill>
+                  <a:schemeClr val="tx1"/>
+                </a:solidFill>
+                <a:latin typeface="+mn-lt"/>
+                <a:ea typeface="+mn-ea"/>
+                <a:cs typeface="+mn-cs"/>
+              </a:defRPr>
+            </a:lvl2pPr>
+            <a:lvl3pPr marL="914400" algn="l" defTabSz="914400" rtl="0" eaLnBrk="1" latinLnBrk="0" hangingPunct="1">
+              <a:defRPr sz="1800" kern="1200">
+                <a:solidFill>
+                  <a:schemeClr val="tx1"/>
+                </a:solidFill>
+                <a:latin typeface="+mn-lt"/>
+                <a:ea typeface="+mn-ea"/>
+                <a:cs typeface="+mn-cs"/>
+              </a:defRPr>
+            </a:lvl3pPr>
+            <a:lvl4pPr marL="1371600" algn="l" defTabSz="914400" rtl="0" eaLnBrk="1" latinLnBrk="0" hangingPunct="1">
+              <a:defRPr sz="1800" kern="1200">
+                <a:solidFill>
+                  <a:schemeClr val="tx1"/>
+                </a:solidFill>
+                <a:latin typeface="+mn-lt"/>
+                <a:ea typeface="+mn-ea"/>
+                <a:cs typeface="+mn-cs"/>
+              </a:defRPr>
+            </a:lvl4pPr>
+            <a:lvl5pPr marL="1828800" algn="l" defTabSz="914400" rtl="0" eaLnBrk="1" latinLnBrk="0" hangingPunct="1">
+              <a:defRPr sz="1800" kern="1200">
+                <a:solidFill>
+                  <a:schemeClr val="tx1"/>
+                </a:solidFill>
+                <a:latin typeface="+mn-lt"/>
+                <a:ea typeface="+mn-ea"/>
+                <a:cs typeface="+mn-cs"/>
+              </a:defRPr>
+            </a:lvl5pPr>
+            <a:lvl6pPr marL="2286000" algn="l" defTabSz="914400" rtl="0" eaLnBrk="1" latinLnBrk="0" hangingPunct="1">
+              <a:defRPr sz="1800" kern="1200">
+                <a:solidFill>
+                  <a:schemeClr val="tx1"/>
+                </a:solidFill>
+                <a:latin typeface="+mn-lt"/>
+                <a:ea typeface="+mn-ea"/>
+                <a:cs typeface="+mn-cs"/>
+              </a:defRPr>
+            </a:lvl6pPr>
+            <a:lvl7pPr marL="2743200" algn="l" defTabSz="914400" rtl="0" eaLnBrk="1" latinLnBrk="0" hangingPunct="1">
+              <a:defRPr sz="1800" kern="1200">
+                <a:solidFill>
+                  <a:schemeClr val="tx1"/>
+                </a:solidFill>
+                <a:latin typeface="+mn-lt"/>
+                <a:ea typeface="+mn-ea"/>
+                <a:cs typeface="+mn-cs"/>
+              </a:defRPr>
+            </a:lvl7pPr>
+            <a:lvl8pPr marL="3200400" algn="l" defTabSz="914400" rtl="0" eaLnBrk="1" latinLnBrk="0" hangingPunct="1">
+              <a:defRPr sz="1800" kern="1200">
+                <a:solidFill>
+                  <a:schemeClr val="tx1"/>
+                </a:solidFill>
+                <a:latin typeface="+mn-lt"/>
+                <a:ea typeface="+mn-ea"/>
+                <a:cs typeface="+mn-cs"/>
+              </a:defRPr>
+            </a:lvl8pPr>
+            <a:lvl9pPr marL="3657600" algn="l" defTabSz="914400" rtl="0" eaLnBrk="1" latinLnBrk="0" hangingPunct="1">
+              <a:defRPr sz="1800" kern="1200">
+                <a:solidFill>
+                  <a:schemeClr val="tx1"/>
+                </a:solidFill>
+                <a:latin typeface="+mn-lt"/>
+                <a:ea typeface="+mn-ea"/>
+                <a:cs typeface="+mn-cs"/>
+              </a:defRPr>
+            </a:lvl9pPr>
+          </a:lstStyle>
+          <a:p>
+            <a:pPr algn="r"/>
+            <a:fld id="{124D1D6F-9FD0-422F-91B5-245747895371}" type="slidenum">
+              <a:rPr lang="en-US" sz="1200" smtClean="0">
+                <a:solidFill>
+                  <a:schemeClr val="bg1"/>
+                </a:solidFill>
+                <a:latin typeface="Montserrat" panose="00000500000000000000" pitchFamily="50" charset="0"/>
+              </a:rPr>
+              <a:pPr algn="r"/>
+              <a:t>41</a:t>
+            </a:fld>
+            <a:endParaRPr lang="en-US" sz="1200">
+              <a:solidFill>
+                <a:schemeClr val="bg1"/>
+              </a:solidFill>
+              <a:latin typeface="Montserrat" panose="00000500000000000000" pitchFamily="50" charset="0"/>
+            </a:endParaRPr>
+          </a:p>
+        </p:txBody>
+      </p:sp>
+      <p:sp>
+        <p:nvSpPr>
+          <p:cNvPr id="4" name="Slide Number Placeholder 3"/>
+          <p:cNvSpPr>
+            <a:spLocks noGrp="1"/>
+          </p:cNvSpPr>
+          <p:nvPr>
+            <p:ph type="sldNum" sz="quarter" idx="15"/>
+          </p:nvPr>
+        </p:nvSpPr>
+        <p:spPr/>
+        <p:txBody>
+          <a:bodyPr/>
+          <a:lstStyle/>
+          <a:p>
+            <a:fld id="{124D1D6F-9FD0-422F-91B5-245747895371}" type="slidenum">
+              <a:rPr lang="en-US" smtClean="0"/>
+              <a:pPr/>
+              <a:t>41</a:t>
+            </a:fld>
+            <a:endParaRPr lang="en-US"/>
+          </a:p>
+        </p:txBody>
+      </p:sp>
+      <p:sp>
+        <p:nvSpPr>
+          <p:cNvPr id="9" name="TextBox 28">
+            <a:extLst>
+              <a:ext uri="{FF2B5EF4-FFF2-40B4-BE49-F238E27FC236}">
+                <a16:creationId xmlns:a16="http://schemas.microsoft.com/office/drawing/2014/main" id="{2304B9C6-1583-427F-89C2-11DFE1A71854}"/>
+              </a:ext>
+            </a:extLst>
+          </p:cNvPr>
+          <p:cNvSpPr txBox="1">
+            <a:spLocks noChangeArrowheads="1"/>
+          </p:cNvSpPr>
+          <p:nvPr/>
+        </p:nvSpPr>
+        <p:spPr bwMode="auto">
+          <a:xfrm>
+            <a:off x="1191492" y="1666914"/>
+            <a:ext cx="11302840" cy="4031873"/>
+          </a:xfrm>
+          <a:prstGeom prst="rect">
+            <a:avLst/>
+          </a:prstGeom>
+          <a:noFill/>
+          <a:ln>
+            <a:noFill/>
+          </a:ln>
+          <a:extLst>
+            <a:ext uri="{909E8E84-426E-40DD-AFC4-6F175D3DCCD1}">
+              <a14:hiddenFill xmlns:a14="http://schemas.microsoft.com/office/drawing/2010/main">
+                <a:solidFill>
+                  <a:srgbClr val="FFFFFF"/>
+                </a:solidFill>
+              </a14:hiddenFill>
+            </a:ext>
+            <a:ext uri="{91240B29-F687-4F45-9708-019B960494DF}">
+              <a14:hiddenLine xmlns:a14="http://schemas.microsoft.com/office/drawing/2010/main" w="9525">
+                <a:solidFill>
+                  <a:srgbClr val="000000"/>
+                </a:solidFill>
+                <a:miter lim="800000"/>
+                <a:headEnd/>
+                <a:tailEnd/>
+              </a14:hiddenLine>
+            </a:ext>
+          </a:extLst>
+        </p:spPr>
+        <p:txBody>
+          <a:bodyPr wrap="square" lIns="0" tIns="0" rIns="0" bIns="0">
+            <a:spAutoFit/>
+          </a:bodyPr>
+          <a:lstStyle>
+            <a:lvl1pPr>
+              <a:defRPr sz="3600">
+                <a:solidFill>
+                  <a:schemeClr val="tx1"/>
+                </a:solidFill>
+                <a:latin typeface="Lato Light" pitchFamily="-65" charset="0"/>
+                <a:ea typeface="MS PGothic" panose="020B0600070205080204" pitchFamily="34" charset="-128"/>
+              </a:defRPr>
+            </a:lvl1pPr>
+            <a:lvl2pPr marL="742950" indent="-285750">
+              <a:defRPr sz="3600">
+                <a:solidFill>
+                  <a:schemeClr val="tx1"/>
+                </a:solidFill>
+                <a:latin typeface="Lato Light" pitchFamily="-65" charset="0"/>
+                <a:ea typeface="MS PGothic" panose="020B0600070205080204" pitchFamily="34" charset="-128"/>
+              </a:defRPr>
+            </a:lvl2pPr>
+            <a:lvl3pPr marL="1143000" indent="-228600">
+              <a:defRPr sz="3600">
+                <a:solidFill>
+                  <a:schemeClr val="tx1"/>
+                </a:solidFill>
+                <a:latin typeface="Lato Light" pitchFamily="-65" charset="0"/>
+                <a:ea typeface="MS PGothic" panose="020B0600070205080204" pitchFamily="34" charset="-128"/>
+              </a:defRPr>
+            </a:lvl3pPr>
+            <a:lvl4pPr marL="1600200" indent="-228600">
+              <a:defRPr sz="3600">
+                <a:solidFill>
+                  <a:schemeClr val="tx1"/>
+                </a:solidFill>
+                <a:latin typeface="Lato Light" pitchFamily="-65" charset="0"/>
+                <a:ea typeface="MS PGothic" panose="020B0600070205080204" pitchFamily="34" charset="-128"/>
+              </a:defRPr>
+            </a:lvl4pPr>
+            <a:lvl5pPr marL="2057400" indent="-228600">
+              <a:defRPr sz="3600">
+                <a:solidFill>
+                  <a:schemeClr val="tx1"/>
+                </a:solidFill>
+                <a:latin typeface="Lato Light" pitchFamily="-65" charset="0"/>
+                <a:ea typeface="MS PGothic" panose="020B0600070205080204" pitchFamily="34" charset="-128"/>
+              </a:defRPr>
+            </a:lvl5pPr>
+            <a:lvl6pPr marL="2514600" indent="-228600" defTabSz="1827213" fontAlgn="base">
+              <a:spcBef>
+                <a:spcPct val="0"/>
+              </a:spcBef>
+              <a:spcAft>
+                <a:spcPct val="0"/>
+              </a:spcAft>
+              <a:defRPr sz="3600">
+                <a:solidFill>
+                  <a:schemeClr val="tx1"/>
+                </a:solidFill>
+                <a:latin typeface="Lato Light" pitchFamily="-65" charset="0"/>
+                <a:ea typeface="MS PGothic" panose="020B0600070205080204" pitchFamily="34" charset="-128"/>
+              </a:defRPr>
+            </a:lvl6pPr>
+            <a:lvl7pPr marL="2971800" indent="-228600" defTabSz="1827213" fontAlgn="base">
+              <a:spcBef>
+                <a:spcPct val="0"/>
+              </a:spcBef>
+              <a:spcAft>
+                <a:spcPct val="0"/>
+              </a:spcAft>
+              <a:defRPr sz="3600">
+                <a:solidFill>
+                  <a:schemeClr val="tx1"/>
+                </a:solidFill>
+                <a:latin typeface="Lato Light" pitchFamily="-65" charset="0"/>
+                <a:ea typeface="MS PGothic" panose="020B0600070205080204" pitchFamily="34" charset="-128"/>
+              </a:defRPr>
+            </a:lvl7pPr>
+            <a:lvl8pPr marL="3429000" indent="-228600" defTabSz="1827213" fontAlgn="base">
+              <a:spcBef>
+                <a:spcPct val="0"/>
+              </a:spcBef>
+              <a:spcAft>
+                <a:spcPct val="0"/>
+              </a:spcAft>
+              <a:defRPr sz="3600">
+                <a:solidFill>
+                  <a:schemeClr val="tx1"/>
+                </a:solidFill>
+                <a:latin typeface="Lato Light" pitchFamily="-65" charset="0"/>
+                <a:ea typeface="MS PGothic" panose="020B0600070205080204" pitchFamily="34" charset="-128"/>
+              </a:defRPr>
+            </a:lvl8pPr>
+            <a:lvl9pPr marL="3886200" indent="-228600" defTabSz="1827213" fontAlgn="base">
+              <a:spcBef>
+                <a:spcPct val="0"/>
+              </a:spcBef>
+              <a:spcAft>
+                <a:spcPct val="0"/>
+              </a:spcAft>
+              <a:defRPr sz="3600">
+                <a:solidFill>
+                  <a:schemeClr val="tx1"/>
+                </a:solidFill>
+                <a:latin typeface="Lato Light" pitchFamily="-65" charset="0"/>
+                <a:ea typeface="MS PGothic" panose="020B0600070205080204" pitchFamily="34" charset="-128"/>
+              </a:defRPr>
+            </a:lvl9pPr>
+          </a:lstStyle>
+          <a:p>
+            <a:pPr marL="285750" indent="-285750" algn="just">
+              <a:spcAft>
+                <a:spcPts val="1200"/>
+              </a:spcAft>
+              <a:buFont typeface="Wingdings" panose="05000000000000000000" pitchFamily="2" charset="2"/>
+              <a:buChar char="v"/>
+            </a:pPr>
+            <a:r>
+              <a:rPr lang="en-US" altLang="en-US" sz="2400">
+                <a:solidFill>
+                  <a:schemeClr val="tx2"/>
+                </a:solidFill>
+                <a:latin typeface="+mj-lt"/>
+                <a:ea typeface="Open Sans" pitchFamily="-65" charset="0"/>
+              </a:rPr>
+              <a:t> 	</a:t>
+            </a:r>
+            <a:r>
+              <a:rPr lang="vi-VN" altLang="en-US" sz="2400">
+                <a:solidFill>
+                  <a:schemeClr val="tx2"/>
+                </a:solidFill>
+                <a:latin typeface="+mj-lt"/>
+                <a:ea typeface="Open Sans" pitchFamily="-65" charset="0"/>
+              </a:rPr>
+              <a:t>CISSP All-in-one Exam Guide 6th Edition – Shon Harris</a:t>
+            </a:r>
+          </a:p>
+          <a:p>
+            <a:pPr marL="285750" indent="-285750" algn="just">
+              <a:spcAft>
+                <a:spcPts val="1200"/>
+              </a:spcAft>
+              <a:buFont typeface="Wingdings" panose="05000000000000000000" pitchFamily="2" charset="2"/>
+              <a:buChar char="v"/>
+            </a:pPr>
+            <a:r>
+              <a:rPr lang="vi-VN" altLang="en-US" sz="2400">
+                <a:solidFill>
+                  <a:schemeClr val="tx2"/>
+                </a:solidFill>
+                <a:latin typeface="+mj-lt"/>
+                <a:ea typeface="Open Sans" pitchFamily="-65" charset="0"/>
+              </a:rPr>
+              <a:t>	Lecture 08 – Enterprise Architecture</a:t>
+            </a:r>
+          </a:p>
+          <a:p>
+            <a:pPr marL="285750" indent="-285750" algn="just">
+              <a:spcAft>
+                <a:spcPts val="1200"/>
+              </a:spcAft>
+              <a:buFont typeface="Wingdings" panose="05000000000000000000" pitchFamily="2" charset="2"/>
+              <a:buChar char="v"/>
+            </a:pPr>
+            <a:r>
+              <a:rPr lang="vi-VN" altLang="en-US" sz="2400">
+                <a:solidFill>
+                  <a:schemeClr val="tx2"/>
+                </a:solidFill>
+                <a:latin typeface="+mj-lt"/>
+                <a:ea typeface="Open Sans" pitchFamily="-65" charset="0"/>
+              </a:rPr>
+              <a:t>	Enterprise architecture - Wikipedia</a:t>
+            </a:r>
+          </a:p>
+          <a:p>
+            <a:pPr marL="285750" indent="-285750" algn="just">
+              <a:spcAft>
+                <a:spcPts val="1200"/>
+              </a:spcAft>
+              <a:buFont typeface="Wingdings" panose="05000000000000000000" pitchFamily="2" charset="2"/>
+              <a:buChar char="v"/>
+            </a:pPr>
+            <a:r>
+              <a:rPr lang="vi-VN" altLang="en-US" sz="2400">
+                <a:solidFill>
+                  <a:schemeClr val="tx2"/>
+                </a:solidFill>
+                <a:latin typeface="+mj-lt"/>
+                <a:ea typeface="Open Sans" pitchFamily="-65" charset="0"/>
+              </a:rPr>
+              <a:t>	Enterprise architecture framework - Wikipedia</a:t>
+            </a:r>
+          </a:p>
+          <a:p>
+            <a:pPr marL="285750" indent="-285750" algn="just">
+              <a:spcAft>
+                <a:spcPts val="1200"/>
+              </a:spcAft>
+              <a:buFont typeface="Wingdings" panose="05000000000000000000" pitchFamily="2" charset="2"/>
+              <a:buChar char="v"/>
+            </a:pPr>
+            <a:r>
+              <a:rPr lang="vi-VN" altLang="en-US" sz="2400">
+                <a:solidFill>
+                  <a:schemeClr val="tx2"/>
+                </a:solidFill>
+                <a:latin typeface="+mj-lt"/>
+                <a:ea typeface="Open Sans" pitchFamily="-65" charset="0"/>
+              </a:rPr>
+              <a:t>	The Official Home of Zachman International® and the Zachman Framework™</a:t>
+            </a:r>
+          </a:p>
+          <a:p>
+            <a:pPr marL="285750" indent="-285750" algn="just">
+              <a:spcAft>
+                <a:spcPts val="1200"/>
+              </a:spcAft>
+              <a:buFont typeface="Wingdings" panose="05000000000000000000" pitchFamily="2" charset="2"/>
+              <a:buChar char="v"/>
+            </a:pPr>
+            <a:r>
+              <a:rPr lang="vi-VN" altLang="en-US" sz="2400">
+                <a:solidFill>
+                  <a:schemeClr val="tx2"/>
+                </a:solidFill>
+                <a:latin typeface="+mj-lt"/>
+                <a:ea typeface="Open Sans" pitchFamily="-65" charset="0"/>
+              </a:rPr>
+              <a:t>	Zachman Framework - Wikipedia</a:t>
+            </a:r>
+          </a:p>
+          <a:p>
+            <a:pPr marL="285750" indent="-285750" algn="just">
+              <a:spcAft>
+                <a:spcPts val="1200"/>
+              </a:spcAft>
+              <a:buFont typeface="Wingdings" panose="05000000000000000000" pitchFamily="2" charset="2"/>
+              <a:buChar char="v"/>
+            </a:pPr>
+            <a:r>
+              <a:rPr lang="vi-VN" altLang="en-US" sz="2400">
+                <a:solidFill>
+                  <a:schemeClr val="tx2"/>
+                </a:solidFill>
+                <a:latin typeface="+mj-lt"/>
+                <a:ea typeface="Open Sans" pitchFamily="-65" charset="0"/>
+              </a:rPr>
+              <a:t>	The Open Group Architecture Framework - Wikipedia</a:t>
+            </a:r>
+          </a:p>
+          <a:p>
+            <a:pPr marL="285750" indent="-285750" algn="just">
+              <a:spcAft>
+                <a:spcPts val="1200"/>
+              </a:spcAft>
+              <a:buFont typeface="Wingdings" panose="05000000000000000000" pitchFamily="2" charset="2"/>
+              <a:buChar char="v"/>
+            </a:pPr>
+            <a:r>
+              <a:rPr lang="vi-VN" altLang="en-US" sz="2400">
+                <a:solidFill>
+                  <a:schemeClr val="tx2"/>
+                </a:solidFill>
+                <a:latin typeface="+mj-lt"/>
+                <a:ea typeface="Open Sans" pitchFamily="-65" charset="0"/>
+              </a:rPr>
+              <a:t>	Sherwood Applied Business Security Architecture - Wikipedia</a:t>
+            </a:r>
+          </a:p>
+        </p:txBody>
+      </p:sp>
+      <p:sp>
+        <p:nvSpPr>
+          <p:cNvPr id="11" name="Footer Placeholder 1">
+            <a:extLst>
+              <a:ext uri="{FF2B5EF4-FFF2-40B4-BE49-F238E27FC236}">
+                <a16:creationId xmlns:a16="http://schemas.microsoft.com/office/drawing/2014/main" id="{420B9498-1DA3-4AFF-B88A-4690AB638428}"/>
+              </a:ext>
+            </a:extLst>
+          </p:cNvPr>
+          <p:cNvSpPr>
+            <a:spLocks noGrp="1"/>
+          </p:cNvSpPr>
+          <p:nvPr>
+            <p:ph type="ftr" sz="quarter" idx="14"/>
+          </p:nvPr>
+        </p:nvSpPr>
+        <p:spPr>
+          <a:xfrm>
+            <a:off x="3976638" y="6442059"/>
+            <a:ext cx="4114800" cy="365125"/>
+          </a:xfrm>
+        </p:spPr>
+        <p:txBody>
+          <a:bodyPr/>
+          <a:lstStyle/>
+          <a:p>
+            <a:r>
+              <a:rPr lang="en-US">
+                <a:solidFill>
+                  <a:schemeClr val="tx2"/>
+                </a:solidFill>
+              </a:rPr>
+              <a:t>21/05/2018</a:t>
+            </a:r>
+          </a:p>
+        </p:txBody>
+      </p:sp>
+    </p:spTree>
+    <p:extLst>
+      <p:ext uri="{BB962C8B-B14F-4D97-AF65-F5344CB8AC3E}">
+        <p14:creationId xmlns:p14="http://schemas.microsoft.com/office/powerpoint/2010/main" val="3792798855"/>
+      </p:ext>
+    </p:extLst>
+  </p:cSld>
+  <p:clrMapOvr>
+    <a:masterClrMapping/>
+  </p:clrMapOvr>
+  <p:transition/>
+  <p:timing>
+    <p:tnLst>
+      <p:par>
+        <p:cTn id="1" dur="indefinite" restart="never" nodeType="tmRoot">
+          <p:childTnLst>
+            <p:seq concurrent="1" nextAc="seek">
+              <p:cTn id="2" dur="indefinite" nodeType="mainSeq">
+                <p:childTnLst>
+                  <p:par>
+                    <p:cTn id="3" fill="hold">
+                      <p:stCondLst>
+                        <p:cond delay="indefinite"/>
+                        <p:cond evt="onBegin" delay="0">
+                          <p:tn val="2"/>
+                        </p:cond>
+                      </p:stCondLst>
+                      <p:childTnLst>
+                        <p:par>
+                          <p:cTn id="4" fill="hold">
+                            <p:stCondLst>
+                              <p:cond delay="0"/>
+                            </p:stCondLst>
+                            <p:childTnLst>
+                              <p:par>
+                                <p:cTn id="5" presetID="10" presetClass="entr" presetSubtype="0" fill="hold" grpId="0" nodeType="afterEffect">
+                                  <p:stCondLst>
+                                    <p:cond delay="0"/>
+                                  </p:stCondLst>
+                                  <p:childTnLst>
+                                    <p:set>
+                                      <p:cBhvr>
+                                        <p:cTn id="6" dur="1" fill="hold">
+                                          <p:stCondLst>
+                                            <p:cond delay="0"/>
+                                          </p:stCondLst>
+                                        </p:cTn>
+                                        <p:tgtEl>
+                                          <p:spTgt spid="9"/>
+                                        </p:tgtEl>
+                                        <p:attrNameLst>
+                                          <p:attrName>style.visibility</p:attrName>
+                                        </p:attrNameLst>
+                                      </p:cBhvr>
+                                      <p:to>
+                                        <p:strVal val="visible"/>
+                                      </p:to>
+                                    </p:set>
+                                    <p:animEffect transition="in" filter="fade">
+                                      <p:cBhvr>
+                                        <p:cTn id="7" dur="500"/>
+                                        <p:tgtEl>
+                                          <p:spTgt spid="9"/>
+                                        </p:tgtEl>
+                                      </p:cBhvr>
+                                    </p:animEffect>
+                                  </p:childTnLst>
+                                </p:cTn>
+                              </p:par>
+                            </p:childTnLst>
+                          </p:cTn>
+                        </p:par>
+                      </p:childTnLst>
+                    </p:cTn>
+                  </p:par>
+                </p:childTnLst>
+              </p:cTn>
+              <p:prevCondLst>
+                <p:cond evt="onPrev" delay="0">
+                  <p:tgtEl>
+                    <p:sldTgt/>
+                  </p:tgtEl>
+                </p:cond>
+              </p:prevCondLst>
+              <p:nextCondLst>
+                <p:cond evt="onNext" delay="0">
+                  <p:tgtEl>
+                    <p:sldTgt/>
+                  </p:tgtEl>
+                </p:cond>
+              </p:nextCondLst>
+            </p:seq>
+          </p:childTnLst>
+        </p:cTn>
+      </p:par>
+    </p:tnLst>
+    <p:bldLst>
+      <p:bldP spid="9" grpId="0"/>
+    </p:bldLst>
+  </p:timing>
+</p:sld>
+</file>
+
+<file path=ppt/slides/slide42.xml><?xml version="1.0" encoding="utf-8"?>
 <p:sld xmlns:a="http://schemas.openxmlformats.org/drawingml/2006/main" xmlns:r="http://schemas.openxmlformats.org/officeDocument/2006/relationships" xmlns:p="http://schemas.openxmlformats.org/presentationml/2006/main">
   <p:cSld>
     <p:spTree>
@@ -35607,8 +37115,8 @@
         </p:blipFill>
         <p:spPr>
           <a:xfrm>
-            <a:off x="2199127" y="433086"/>
-            <a:ext cx="1927599" cy="1554515"/>
+            <a:off x="799818" y="547687"/>
+            <a:ext cx="2224688" cy="1794103"/>
           </a:xfrm>
           <a:prstGeom prst="rect">
             <a:avLst/>
@@ -35744,7 +37252,7 @@
                 <a:latin typeface="Montserrat" panose="00000500000000000000" pitchFamily="50" charset="0"/>
               </a:rPr>
               <a:pPr algn="r"/>
-              <a:t>40</a:t>
+              <a:t>42</a:t>
             </a:fld>
             <a:endParaRPr lang="en-US" sz="1200">
               <a:solidFill>
@@ -35752,28 +37260,6 @@
               </a:solidFill>
               <a:latin typeface="Montserrat" panose="00000500000000000000" pitchFamily="50" charset="0"/>
             </a:endParaRPr>
-          </a:p>
-        </p:txBody>
-      </p:sp>
-      <p:sp>
-        <p:nvSpPr>
-          <p:cNvPr id="2" name="Footer Placeholder 1"/>
-          <p:cNvSpPr>
-            <a:spLocks noGrp="1"/>
-          </p:cNvSpPr>
-          <p:nvPr>
-            <p:ph type="ftr" sz="quarter" idx="14"/>
-          </p:nvPr>
-        </p:nvSpPr>
-        <p:spPr/>
-        <p:txBody>
-          <a:bodyPr/>
-          <a:lstStyle/>
-          <a:p>
-            <a:r>
-              <a:rPr lang="en-US"/>
-              <a:t>11/05/2017</a:t>
-            </a:r>
           </a:p>
         </p:txBody>
       </p:sp>
@@ -35795,9 +37281,136 @@
             <a:fld id="{124D1D6F-9FD0-422F-91B5-245747895371}" type="slidenum">
               <a:rPr lang="en-US" smtClean="0"/>
               <a:pPr/>
-              <a:t>40</a:t>
+              <a:t>42</a:t>
             </a:fld>
             <a:endParaRPr lang="en-US"/>
+          </a:p>
+        </p:txBody>
+      </p:sp>
+      <p:pic>
+        <p:nvPicPr>
+          <p:cNvPr id="11" name="Hình ảnh 5">
+            <a:extLst>
+              <a:ext uri="{FF2B5EF4-FFF2-40B4-BE49-F238E27FC236}">
+                <a16:creationId xmlns:a16="http://schemas.microsoft.com/office/drawing/2014/main" id="{D35BBEB1-64F4-4323-A611-FB43C4E23EFF}"/>
+              </a:ext>
+            </a:extLst>
+          </p:cNvPr>
+          <p:cNvPicPr>
+            <a:picLocks noChangeAspect="1"/>
+          </p:cNvPicPr>
+          <p:nvPr/>
+        </p:nvPicPr>
+        <p:blipFill>
+          <a:blip r:embed="rId3"/>
+          <a:stretch>
+            <a:fillRect/>
+          </a:stretch>
+        </p:blipFill>
+        <p:spPr>
+          <a:xfrm>
+            <a:off x="8620522" y="3987416"/>
+            <a:ext cx="3124200" cy="577151"/>
+          </a:xfrm>
+          <a:prstGeom prst="rect">
+            <a:avLst/>
+          </a:prstGeom>
+        </p:spPr>
+      </p:pic>
+      <p:pic>
+        <p:nvPicPr>
+          <p:cNvPr id="12" name="Hình ảnh 7">
+            <a:extLst>
+              <a:ext uri="{FF2B5EF4-FFF2-40B4-BE49-F238E27FC236}">
+                <a16:creationId xmlns:a16="http://schemas.microsoft.com/office/drawing/2014/main" id="{620403E8-0DFD-43A8-9BDB-A30E80162399}"/>
+              </a:ext>
+            </a:extLst>
+          </p:cNvPr>
+          <p:cNvPicPr>
+            <a:picLocks noChangeAspect="1"/>
+          </p:cNvPicPr>
+          <p:nvPr/>
+        </p:nvPicPr>
+        <p:blipFill>
+          <a:blip r:embed="rId4"/>
+          <a:stretch>
+            <a:fillRect/>
+          </a:stretch>
+        </p:blipFill>
+        <p:spPr>
+          <a:xfrm>
+            <a:off x="8620522" y="5848659"/>
+            <a:ext cx="3124200" cy="507691"/>
+          </a:xfrm>
+          <a:prstGeom prst="rect">
+            <a:avLst/>
+          </a:prstGeom>
+        </p:spPr>
+      </p:pic>
+      <p:pic>
+        <p:nvPicPr>
+          <p:cNvPr id="13" name="Hình ảnh 9">
+            <a:extLst>
+              <a:ext uri="{FF2B5EF4-FFF2-40B4-BE49-F238E27FC236}">
+                <a16:creationId xmlns:a16="http://schemas.microsoft.com/office/drawing/2014/main" id="{B0EB5C36-73EF-4AD3-9E4B-26FB6628FF85}"/>
+              </a:ext>
+            </a:extLst>
+          </p:cNvPr>
+          <p:cNvPicPr>
+            <a:picLocks noChangeAspect="1"/>
+          </p:cNvPicPr>
+          <p:nvPr/>
+        </p:nvPicPr>
+        <p:blipFill>
+          <a:blip r:embed="rId5"/>
+          <a:stretch>
+            <a:fillRect/>
+          </a:stretch>
+        </p:blipFill>
+        <p:spPr>
+          <a:xfrm>
+            <a:off x="8620522" y="4901226"/>
+            <a:ext cx="3124200" cy="507691"/>
+          </a:xfrm>
+          <a:prstGeom prst="rect">
+            <a:avLst/>
+          </a:prstGeom>
+        </p:spPr>
+      </p:pic>
+      <p:sp>
+        <p:nvSpPr>
+          <p:cNvPr id="15" name="Footer Placeholder 1">
+            <a:extLst>
+              <a:ext uri="{FF2B5EF4-FFF2-40B4-BE49-F238E27FC236}">
+                <a16:creationId xmlns:a16="http://schemas.microsoft.com/office/drawing/2014/main" id="{1B4A143A-058B-42CE-B319-99AB1388C916}"/>
+              </a:ext>
+            </a:extLst>
+          </p:cNvPr>
+          <p:cNvSpPr>
+            <a:spLocks noGrp="1"/>
+          </p:cNvSpPr>
+          <p:nvPr>
+            <p:ph type="ftr" sz="quarter" idx="14"/>
+          </p:nvPr>
+        </p:nvSpPr>
+        <p:spPr>
+          <a:xfrm>
+            <a:off x="3976638" y="6442059"/>
+            <a:ext cx="4114800" cy="365125"/>
+          </a:xfrm>
+        </p:spPr>
+        <p:txBody>
+          <a:bodyPr/>
+          <a:lstStyle/>
+          <a:p>
+            <a:r>
+              <a:rPr lang="en-US">
+                <a:solidFill>
+                  <a:schemeClr val="tx2"/>
+                </a:solidFill>
+              </a:rPr>
+              <a:t>21/05/2018</a:t>
+            </a:r>
           </a:p>
         </p:txBody>
       </p:sp>
@@ -36081,28 +37694,6 @@
       </p:sp>
       <p:sp>
         <p:nvSpPr>
-          <p:cNvPr id="2" name="Footer Placeholder 1"/>
-          <p:cNvSpPr>
-            <a:spLocks noGrp="1"/>
-          </p:cNvSpPr>
-          <p:nvPr>
-            <p:ph type="ftr" sz="quarter" idx="14"/>
-          </p:nvPr>
-        </p:nvSpPr>
-        <p:spPr/>
-        <p:txBody>
-          <a:bodyPr/>
-          <a:lstStyle/>
-          <a:p>
-            <a:r>
-              <a:rPr lang="en-US"/>
-              <a:t>11/05/2017</a:t>
-            </a:r>
-          </a:p>
-        </p:txBody>
-      </p:sp>
-      <p:sp>
-        <p:nvSpPr>
           <p:cNvPr id="4" name="Slide Number Placeholder 3"/>
           <p:cNvSpPr>
             <a:spLocks noGrp="1"/>
@@ -36364,6 +37955,43 @@
           </a:prstGeom>
         </p:spPr>
       </p:pic>
+      <p:sp>
+        <p:nvSpPr>
+          <p:cNvPr id="9" name="Footer Placeholder 1">
+            <a:extLst>
+              <a:ext uri="{FF2B5EF4-FFF2-40B4-BE49-F238E27FC236}">
+                <a16:creationId xmlns:a16="http://schemas.microsoft.com/office/drawing/2014/main" id="{04A4D605-95F2-4FC1-BED2-C8C23679E3F6}"/>
+              </a:ext>
+            </a:extLst>
+          </p:cNvPr>
+          <p:cNvSpPr>
+            <a:spLocks noGrp="1"/>
+          </p:cNvSpPr>
+          <p:nvPr>
+            <p:ph type="ftr" sz="quarter" idx="14"/>
+          </p:nvPr>
+        </p:nvSpPr>
+        <p:spPr>
+          <a:xfrm>
+            <a:off x="3976638" y="6442059"/>
+            <a:ext cx="4114800" cy="365125"/>
+          </a:xfrm>
+        </p:spPr>
+        <p:txBody>
+          <a:bodyPr/>
+          <a:lstStyle/>
+          <a:p>
+            <a:r>
+              <a:rPr lang="en-US">
+                <a:solidFill>
+                  <a:schemeClr val="tx2"/>
+                </a:solidFill>
+              </a:rPr>
+              <a:t>21/05/2018</a:t>
+            </a:r>
+          </a:p>
+        </p:txBody>
+      </p:sp>
     </p:spTree>
     <p:extLst>
       <p:ext uri="{BB962C8B-B14F-4D97-AF65-F5344CB8AC3E}">
@@ -36730,28 +38358,6 @@
       </p:sp>
       <p:sp>
         <p:nvSpPr>
-          <p:cNvPr id="2" name="Footer Placeholder 1"/>
-          <p:cNvSpPr>
-            <a:spLocks noGrp="1"/>
-          </p:cNvSpPr>
-          <p:nvPr>
-            <p:ph type="ftr" sz="quarter" idx="14"/>
-          </p:nvPr>
-        </p:nvSpPr>
-        <p:spPr/>
-        <p:txBody>
-          <a:bodyPr/>
-          <a:lstStyle/>
-          <a:p>
-            <a:r>
-              <a:rPr lang="en-US"/>
-              <a:t>11/05/2017</a:t>
-            </a:r>
-          </a:p>
-        </p:txBody>
-      </p:sp>
-      <p:sp>
-        <p:nvSpPr>
           <p:cNvPr id="4" name="Slide Number Placeholder 3"/>
           <p:cNvSpPr>
             <a:spLocks noGrp="1"/>
@@ -37111,6 +38717,43 @@
           </a:prstGeom>
         </p:spPr>
       </p:pic>
+      <p:sp>
+        <p:nvSpPr>
+          <p:cNvPr id="11" name="Footer Placeholder 1">
+            <a:extLst>
+              <a:ext uri="{FF2B5EF4-FFF2-40B4-BE49-F238E27FC236}">
+                <a16:creationId xmlns:a16="http://schemas.microsoft.com/office/drawing/2014/main" id="{7B25A00A-114E-4C87-9FDF-3BC5380393C2}"/>
+              </a:ext>
+            </a:extLst>
+          </p:cNvPr>
+          <p:cNvSpPr>
+            <a:spLocks noGrp="1"/>
+          </p:cNvSpPr>
+          <p:nvPr>
+            <p:ph type="ftr" sz="quarter" idx="14"/>
+          </p:nvPr>
+        </p:nvSpPr>
+        <p:spPr>
+          <a:xfrm>
+            <a:off x="3976638" y="6442059"/>
+            <a:ext cx="4114800" cy="365125"/>
+          </a:xfrm>
+        </p:spPr>
+        <p:txBody>
+          <a:bodyPr/>
+          <a:lstStyle/>
+          <a:p>
+            <a:r>
+              <a:rPr lang="en-US">
+                <a:solidFill>
+                  <a:schemeClr val="tx2"/>
+                </a:solidFill>
+              </a:rPr>
+              <a:t>21/05/2018</a:t>
+            </a:r>
+          </a:p>
+        </p:txBody>
+      </p:sp>
     </p:spTree>
     <p:extLst>
       <p:ext uri="{BB962C8B-B14F-4D97-AF65-F5344CB8AC3E}">
@@ -37477,28 +39120,6 @@
       </p:sp>
       <p:sp>
         <p:nvSpPr>
-          <p:cNvPr id="2" name="Footer Placeholder 1"/>
-          <p:cNvSpPr>
-            <a:spLocks noGrp="1"/>
-          </p:cNvSpPr>
-          <p:nvPr>
-            <p:ph type="ftr" sz="quarter" idx="14"/>
-          </p:nvPr>
-        </p:nvSpPr>
-        <p:spPr/>
-        <p:txBody>
-          <a:bodyPr/>
-          <a:lstStyle/>
-          <a:p>
-            <a:r>
-              <a:rPr lang="en-US"/>
-              <a:t>11/05/2017</a:t>
-            </a:r>
-          </a:p>
-        </p:txBody>
-      </p:sp>
-      <p:sp>
-        <p:nvSpPr>
           <p:cNvPr id="4" name="Slide Number Placeholder 3"/>
           <p:cNvSpPr>
             <a:spLocks noGrp="1"/>
@@ -37750,6 +39371,43 @@
               <a:latin typeface="+mj-lt"/>
               <a:ea typeface="Open Sans" pitchFamily="-65" charset="0"/>
             </a:endParaRPr>
+          </a:p>
+        </p:txBody>
+      </p:sp>
+      <p:sp>
+        <p:nvSpPr>
+          <p:cNvPr id="9" name="Footer Placeholder 1">
+            <a:extLst>
+              <a:ext uri="{FF2B5EF4-FFF2-40B4-BE49-F238E27FC236}">
+                <a16:creationId xmlns:a16="http://schemas.microsoft.com/office/drawing/2014/main" id="{DB72ABEA-6AEB-485F-98FC-95553547EC74}"/>
+              </a:ext>
+            </a:extLst>
+          </p:cNvPr>
+          <p:cNvSpPr>
+            <a:spLocks noGrp="1"/>
+          </p:cNvSpPr>
+          <p:nvPr>
+            <p:ph type="ftr" sz="quarter" idx="14"/>
+          </p:nvPr>
+        </p:nvSpPr>
+        <p:spPr>
+          <a:xfrm>
+            <a:off x="3976638" y="6455914"/>
+            <a:ext cx="4114800" cy="365125"/>
+          </a:xfrm>
+        </p:spPr>
+        <p:txBody>
+          <a:bodyPr/>
+          <a:lstStyle/>
+          <a:p>
+            <a:r>
+              <a:rPr lang="en-US">
+                <a:solidFill>
+                  <a:schemeClr val="tx2"/>
+                </a:solidFill>
+              </a:rPr>
+              <a:t>21/05/2018</a:t>
+            </a:r>
           </a:p>
         </p:txBody>
       </p:sp>
@@ -38119,28 +39777,6 @@
       </p:sp>
       <p:sp>
         <p:nvSpPr>
-          <p:cNvPr id="2" name="Footer Placeholder 1"/>
-          <p:cNvSpPr>
-            <a:spLocks noGrp="1"/>
-          </p:cNvSpPr>
-          <p:nvPr>
-            <p:ph type="ftr" sz="quarter" idx="14"/>
-          </p:nvPr>
-        </p:nvSpPr>
-        <p:spPr/>
-        <p:txBody>
-          <a:bodyPr/>
-          <a:lstStyle/>
-          <a:p>
-            <a:r>
-              <a:rPr lang="en-US"/>
-              <a:t>11/05/2017</a:t>
-            </a:r>
-          </a:p>
-        </p:txBody>
-      </p:sp>
-      <p:sp>
-        <p:nvSpPr>
           <p:cNvPr id="4" name="Slide Number Placeholder 3"/>
           <p:cNvSpPr>
             <a:spLocks noGrp="1"/>
@@ -38202,6 +39838,43 @@
           </a:ln>
         </p:spPr>
       </p:pic>
+      <p:sp>
+        <p:nvSpPr>
+          <p:cNvPr id="10" name="Footer Placeholder 1">
+            <a:extLst>
+              <a:ext uri="{FF2B5EF4-FFF2-40B4-BE49-F238E27FC236}">
+                <a16:creationId xmlns:a16="http://schemas.microsoft.com/office/drawing/2014/main" id="{D1476359-0AE9-4D9F-9E8C-6437E817BAD5}"/>
+              </a:ext>
+            </a:extLst>
+          </p:cNvPr>
+          <p:cNvSpPr>
+            <a:spLocks noGrp="1"/>
+          </p:cNvSpPr>
+          <p:nvPr>
+            <p:ph type="ftr" sz="quarter" idx="14"/>
+          </p:nvPr>
+        </p:nvSpPr>
+        <p:spPr>
+          <a:xfrm>
+            <a:off x="3976638" y="6442059"/>
+            <a:ext cx="4114800" cy="365125"/>
+          </a:xfrm>
+        </p:spPr>
+        <p:txBody>
+          <a:bodyPr/>
+          <a:lstStyle/>
+          <a:p>
+            <a:r>
+              <a:rPr lang="en-US">
+                <a:solidFill>
+                  <a:schemeClr val="tx2"/>
+                </a:solidFill>
+              </a:rPr>
+              <a:t>21/05/2018</a:t>
+            </a:r>
+          </a:p>
+        </p:txBody>
+      </p:sp>
     </p:spTree>
     <p:extLst>
       <p:ext uri="{BB962C8B-B14F-4D97-AF65-F5344CB8AC3E}">
@@ -38474,28 +40147,6 @@
               </a:solidFill>
               <a:latin typeface="Montserrat" panose="00000500000000000000" pitchFamily="50" charset="0"/>
             </a:endParaRPr>
-          </a:p>
-        </p:txBody>
-      </p:sp>
-      <p:sp>
-        <p:nvSpPr>
-          <p:cNvPr id="2" name="Footer Placeholder 1"/>
-          <p:cNvSpPr>
-            <a:spLocks noGrp="1"/>
-          </p:cNvSpPr>
-          <p:nvPr>
-            <p:ph type="ftr" sz="quarter" idx="14"/>
-          </p:nvPr>
-        </p:nvSpPr>
-        <p:spPr/>
-        <p:txBody>
-          <a:bodyPr/>
-          <a:lstStyle/>
-          <a:p>
-            <a:r>
-              <a:rPr lang="en-US"/>
-              <a:t>11/05/2017</a:t>
-            </a:r>
           </a:p>
         </p:txBody>
       </p:sp>
@@ -38613,6 +40264,43 @@
           </a:prstGeom>
         </p:spPr>
       </p:pic>
+      <p:sp>
+        <p:nvSpPr>
+          <p:cNvPr id="10" name="Footer Placeholder 1">
+            <a:extLst>
+              <a:ext uri="{FF2B5EF4-FFF2-40B4-BE49-F238E27FC236}">
+                <a16:creationId xmlns:a16="http://schemas.microsoft.com/office/drawing/2014/main" id="{0B611CC1-19EB-4B73-BCCC-A35FF114C5E5}"/>
+              </a:ext>
+            </a:extLst>
+          </p:cNvPr>
+          <p:cNvSpPr>
+            <a:spLocks noGrp="1"/>
+          </p:cNvSpPr>
+          <p:nvPr>
+            <p:ph type="ftr" sz="quarter" idx="14"/>
+          </p:nvPr>
+        </p:nvSpPr>
+        <p:spPr>
+          <a:xfrm>
+            <a:off x="3976638" y="6442059"/>
+            <a:ext cx="4114800" cy="365125"/>
+          </a:xfrm>
+        </p:spPr>
+        <p:txBody>
+          <a:bodyPr/>
+          <a:lstStyle/>
+          <a:p>
+            <a:r>
+              <a:rPr lang="en-US">
+                <a:solidFill>
+                  <a:schemeClr val="tx2"/>
+                </a:solidFill>
+              </a:rPr>
+              <a:t>21/05/2018</a:t>
+            </a:r>
+          </a:p>
+        </p:txBody>
+      </p:sp>
     </p:spTree>
     <p:extLst>
       <p:ext uri="{BB962C8B-B14F-4D97-AF65-F5344CB8AC3E}">
